--- a/tests/pptx/phl_with_vg.pptx
+++ b/tests/pptx/phl_with_vg.pptx
@@ -4,7 +4,7 @@
   <p:sldMasterIdLst>
     <p:sldMasterId id="2147483648" r:id="rId1"/>
   </p:sldMasterIdLst>
-  <p:sldIdLst xmlns:a="http://schemas.openxmlformats.org/drawingml/2006/main" xmlns:r="http://schemas.openxmlformats.org/officeDocument/2006/relationships" xmlns:p="http://schemas.openxmlformats.org/presentationml/2006/main">
+  <p:sldIdLst>
     <p:sldId id="256" r:id="rId8"/>
   </p:sldIdLst>
   <p:sldSz cx="9144000" cy="6858000" type="screen4x3"/>
@@ -2214,7 +2214,7 @@
           <a:chExt cx="0" cy="0"/>
         </a:xfrm>
       </p:grpSpPr>
-      <p:grpSp xmlns:a="http://schemas.openxmlformats.org/drawingml/2006/main" xmlns:r="http://schemas.openxmlformats.org/officeDocument/2006/relationships" xmlns:p="http://schemas.openxmlformats.org/presentationml/2006/main" xmlns:pic="http://schemas.openxmlformats.org/drawingml/2006/picture">
+      <p:grpSp xmlns:pic="http://schemas.openxmlformats.org/drawingml/2006/picture">
         <p:nvGrpSpPr>
           <p:cNvPr id="2" name=""/>
           <p:cNvGrpSpPr/>
@@ -2851,8 +2851,8 @@
           </p:nvSpPr>
           <p:spPr>
             <a:xfrm>
-              <a:off x="1748888" y="3327448"/>
-              <a:ext cx="297358" cy="115267"/>
+              <a:off x="1748794" y="3331616"/>
+              <a:ext cx="297545" cy="111099"/>
             </a:xfrm>
             <a:prstGeom prst="rect">
               <a:avLst/>
@@ -2897,8 +2897,8 @@
           </p:nvSpPr>
           <p:spPr>
             <a:xfrm>
-              <a:off x="2915136" y="3327448"/>
-              <a:ext cx="297358" cy="115267"/>
+              <a:off x="2915042" y="3331616"/>
+              <a:ext cx="297545" cy="111099"/>
             </a:xfrm>
             <a:prstGeom prst="rect">
               <a:avLst/>
@@ -2943,8 +2943,8 @@
           </p:nvSpPr>
           <p:spPr>
             <a:xfrm>
-              <a:off x="4108880" y="3327448"/>
-              <a:ext cx="242366" cy="115267"/>
+              <a:off x="4108814" y="3331616"/>
+              <a:ext cx="242498" cy="111099"/>
             </a:xfrm>
             <a:prstGeom prst="rect">
               <a:avLst/>
@@ -2989,8 +2989,8 @@
           </p:nvSpPr>
           <p:spPr>
             <a:xfrm>
-              <a:off x="5275128" y="3327448"/>
-              <a:ext cx="242366" cy="115267"/>
+              <a:off x="5275062" y="3331616"/>
+              <a:ext cx="242498" cy="111099"/>
             </a:xfrm>
             <a:prstGeom prst="rect">
               <a:avLst/>
@@ -3035,8 +3035,8 @@
           </p:nvSpPr>
           <p:spPr>
             <a:xfrm>
-              <a:off x="6441376" y="3327448"/>
-              <a:ext cx="242366" cy="115267"/>
+              <a:off x="6441310" y="3331616"/>
+              <a:ext cx="242498" cy="111099"/>
             </a:xfrm>
             <a:prstGeom prst="rect">
               <a:avLst/>
@@ -3081,8 +3081,8 @@
           </p:nvSpPr>
           <p:spPr>
             <a:xfrm>
-              <a:off x="7607625" y="3329457"/>
-              <a:ext cx="242366" cy="113258"/>
+              <a:off x="7607558" y="3331616"/>
+              <a:ext cx="242498" cy="111099"/>
             </a:xfrm>
             <a:prstGeom prst="rect">
               <a:avLst/>
@@ -3327,8 +3327,8 @@
           </p:nvSpPr>
           <p:spPr>
             <a:xfrm rot="-5400000">
-              <a:off x="649280" y="2996139"/>
-              <a:ext cx="151953" cy="113109"/>
+              <a:off x="650229" y="2997144"/>
+              <a:ext cx="152064" cy="111099"/>
             </a:xfrm>
             <a:prstGeom prst="rect">
               <a:avLst/>
@@ -3373,8 +3373,8 @@
           </p:nvSpPr>
           <p:spPr>
             <a:xfrm rot="-5400000">
-              <a:off x="650285" y="2476088"/>
-              <a:ext cx="151953" cy="111100"/>
+              <a:off x="650229" y="2476088"/>
+              <a:ext cx="152064" cy="111099"/>
             </a:xfrm>
             <a:prstGeom prst="rect">
               <a:avLst/>
@@ -3419,8 +3419,8 @@
           </p:nvSpPr>
           <p:spPr>
             <a:xfrm rot="-5400000">
-              <a:off x="675697" y="1952948"/>
-              <a:ext cx="96961" cy="115267"/>
+              <a:off x="677753" y="1955032"/>
+              <a:ext cx="97017" cy="111099"/>
             </a:xfrm>
             <a:prstGeom prst="rect">
               <a:avLst/>
@@ -3465,8 +3465,8 @@
           </p:nvSpPr>
           <p:spPr>
             <a:xfrm rot="-5400000">
-              <a:off x="677781" y="1433975"/>
-              <a:ext cx="96961" cy="111100"/>
+              <a:off x="677753" y="1433976"/>
+              <a:ext cx="97017" cy="111099"/>
             </a:xfrm>
             <a:prstGeom prst="rect">
               <a:avLst/>
@@ -3505,7 +3505,7 @@
         </p:sp>
         <p:sp>
           <p:nvSpPr>
-            <p:cNvPr id="36" name="pl36"/>
+            <p:cNvPr id="36" name="pg36"/>
             <p:cNvSpPr/>
             <p:nvPr/>
           </p:nvSpPr>
@@ -3530,9 +3530,7 @@
                   <a:lnTo>
                     <a:pt x="0" y="0"/>
                   </a:lnTo>
-                  <a:lnTo>
-                    <a:pt x="0" y="2112264"/>
-                  </a:lnTo>
+                  <a:close/>
                 </a:path>
               </a:pathLst>
             </a:custGeom>
@@ -3560,8 +3558,8 @@
           </p:nvSpPr>
           <p:spPr>
             <a:xfrm>
-              <a:off x="4366661" y="3672744"/>
-              <a:ext cx="776436" cy="135731"/>
+              <a:off x="4369231" y="3697376"/>
+              <a:ext cx="771296" cy="111099"/>
             </a:xfrm>
             <a:prstGeom prst="rect">
               <a:avLst/>
@@ -3606,8 +3604,8 @@
           </p:nvSpPr>
           <p:spPr>
             <a:xfrm rot="-5400000">
-              <a:off x="-40031" y="1989534"/>
-              <a:ext cx="776436" cy="135731"/>
+              <a:off x="-25146" y="2001850"/>
+              <a:ext cx="771296" cy="111099"/>
             </a:xfrm>
             <a:prstGeom prst="rect">
               <a:avLst/>
@@ -3652,8 +3650,8 @@
           </p:nvSpPr>
           <p:spPr>
             <a:xfrm>
-              <a:off x="4524092" y="551488"/>
-              <a:ext cx="461575" cy="141535"/>
+              <a:off x="4524176" y="559749"/>
+              <a:ext cx="461406" cy="133228"/>
             </a:xfrm>
             <a:prstGeom prst="rect">
               <a:avLst/>
@@ -3691,7 +3689,7 @@
           </p:txBody>
         </p:sp>
       </p:grpSp>
-      <p:grpSp xmlns:a="http://schemas.openxmlformats.org/drawingml/2006/main" xmlns:r="http://schemas.openxmlformats.org/officeDocument/2006/relationships" xmlns:p="http://schemas.openxmlformats.org/presentationml/2006/main" xmlns:pic="http://schemas.openxmlformats.org/drawingml/2006/picture">
+      <p:grpSp xmlns:pic="http://schemas.openxmlformats.org/drawingml/2006/picture">
         <p:nvGrpSpPr>
           <p:cNvPr id="40" name=""/>
           <p:cNvGrpSpPr/>
@@ -3783,8 +3781,8 @@
           </p:nvSpPr>
           <p:spPr>
             <a:xfrm>
-              <a:off x="904899" y="4161529"/>
-              <a:ext cx="3574651" cy="2042376"/>
+              <a:off x="904660" y="4161529"/>
+              <a:ext cx="3574890" cy="2042356"/>
             </a:xfrm>
             <a:prstGeom prst="rect">
               <a:avLst/>
@@ -3809,21 +3807,21 @@
           </p:nvSpPr>
           <p:spPr>
             <a:xfrm>
-              <a:off x="904899" y="5882295"/>
-              <a:ext cx="3574651" cy="0"/>
+              <a:off x="904660" y="5882278"/>
+              <a:ext cx="3574890" cy="0"/>
             </a:xfrm>
             <a:custGeom>
               <a:avLst/>
               <a:pathLst>
-                <a:path w="3574651" h="0">
+                <a:path w="3574890" h="0">
                   <a:moveTo>
                     <a:pt x="0" y="0"/>
                   </a:moveTo>
                   <a:lnTo>
-                    <a:pt x="3574651" y="0"/>
+                    <a:pt x="3574890" y="0"/>
                   </a:lnTo>
                   <a:lnTo>
-                    <a:pt x="3574651" y="0"/>
+                    <a:pt x="3574890" y="0"/>
                   </a:lnTo>
                 </a:path>
               </a:pathLst>
@@ -3852,21 +3850,21 @@
           </p:nvSpPr>
           <p:spPr>
             <a:xfrm>
-              <a:off x="904899" y="5336815"/>
-              <a:ext cx="3574651" cy="0"/>
+              <a:off x="904660" y="5336803"/>
+              <a:ext cx="3574890" cy="0"/>
             </a:xfrm>
             <a:custGeom>
               <a:avLst/>
               <a:pathLst>
-                <a:path w="3574651" h="0">
+                <a:path w="3574890" h="0">
                   <a:moveTo>
                     <a:pt x="0" y="0"/>
                   </a:moveTo>
                   <a:lnTo>
-                    <a:pt x="3574651" y="0"/>
+                    <a:pt x="3574890" y="0"/>
                   </a:lnTo>
                   <a:lnTo>
-                    <a:pt x="3574651" y="0"/>
+                    <a:pt x="3574890" y="0"/>
                   </a:lnTo>
                 </a:path>
               </a:pathLst>
@@ -3895,21 +3893,21 @@
           </p:nvSpPr>
           <p:spPr>
             <a:xfrm>
-              <a:off x="904899" y="4791335"/>
-              <a:ext cx="3574651" cy="0"/>
+              <a:off x="904660" y="4791328"/>
+              <a:ext cx="3574890" cy="0"/>
             </a:xfrm>
             <a:custGeom>
               <a:avLst/>
               <a:pathLst>
-                <a:path w="3574651" h="0">
+                <a:path w="3574890" h="0">
                   <a:moveTo>
                     <a:pt x="0" y="0"/>
                   </a:moveTo>
                   <a:lnTo>
-                    <a:pt x="3574651" y="0"/>
+                    <a:pt x="3574890" y="0"/>
                   </a:lnTo>
                   <a:lnTo>
-                    <a:pt x="3574651" y="0"/>
+                    <a:pt x="3574890" y="0"/>
                   </a:lnTo>
                 </a:path>
               </a:pathLst>
@@ -3938,21 +3936,21 @@
           </p:nvSpPr>
           <p:spPr>
             <a:xfrm>
-              <a:off x="904899" y="4245854"/>
-              <a:ext cx="3574651" cy="0"/>
+              <a:off x="904660" y="4245854"/>
+              <a:ext cx="3574890" cy="0"/>
             </a:xfrm>
             <a:custGeom>
               <a:avLst/>
               <a:pathLst>
-                <a:path w="3574651" h="0">
+                <a:path w="3574890" h="0">
                   <a:moveTo>
                     <a:pt x="0" y="0"/>
                   </a:moveTo>
                   <a:lnTo>
-                    <a:pt x="3574651" y="0"/>
+                    <a:pt x="3574890" y="0"/>
                   </a:lnTo>
                   <a:lnTo>
-                    <a:pt x="3574651" y="0"/>
+                    <a:pt x="3574890" y="0"/>
                   </a:lnTo>
                 </a:path>
               </a:pathLst>
@@ -3981,15 +3979,15 @@
           </p:nvSpPr>
           <p:spPr>
             <a:xfrm>
-              <a:off x="1101234" y="4161529"/>
-              <a:ext cx="0" cy="2042376"/>
+              <a:off x="1101008" y="4161529"/>
+              <a:ext cx="0" cy="2042356"/>
             </a:xfrm>
             <a:custGeom>
               <a:avLst/>
               <a:pathLst>
-                <a:path w="0" h="2042376">
+                <a:path w="0" h="2042356">
                   <a:moveTo>
-                    <a:pt x="0" y="2042376"/>
+                    <a:pt x="0" y="2042356"/>
                   </a:moveTo>
                   <a:lnTo>
                     <a:pt x="0" y="0"/>
@@ -4024,15 +4022,15 @@
           </p:nvSpPr>
           <p:spPr>
             <a:xfrm>
-              <a:off x="1947506" y="4161529"/>
-              <a:ext cx="0" cy="2042376"/>
+              <a:off x="1947336" y="4161529"/>
+              <a:ext cx="0" cy="2042356"/>
             </a:xfrm>
             <a:custGeom>
               <a:avLst/>
               <a:pathLst>
-                <a:path w="0" h="2042376">
+                <a:path w="0" h="2042356">
                   <a:moveTo>
-                    <a:pt x="0" y="2042376"/>
+                    <a:pt x="0" y="2042356"/>
                   </a:moveTo>
                   <a:lnTo>
                     <a:pt x="0" y="0"/>
@@ -4067,15 +4065,15 @@
           </p:nvSpPr>
           <p:spPr>
             <a:xfrm>
-              <a:off x="2793777" y="4161529"/>
-              <a:ext cx="0" cy="2042376"/>
+              <a:off x="2793664" y="4161529"/>
+              <a:ext cx="0" cy="2042356"/>
             </a:xfrm>
             <a:custGeom>
               <a:avLst/>
               <a:pathLst>
-                <a:path w="0" h="2042376">
+                <a:path w="0" h="2042356">
                   <a:moveTo>
-                    <a:pt x="0" y="2042376"/>
+                    <a:pt x="0" y="2042356"/>
                   </a:moveTo>
                   <a:lnTo>
                     <a:pt x="0" y="0"/>
@@ -4110,15 +4108,15 @@
           </p:nvSpPr>
           <p:spPr>
             <a:xfrm>
-              <a:off x="3640049" y="4161529"/>
-              <a:ext cx="0" cy="2042376"/>
+              <a:off x="3639993" y="4161529"/>
+              <a:ext cx="0" cy="2042356"/>
             </a:xfrm>
             <a:custGeom>
               <a:avLst/>
               <a:pathLst>
-                <a:path w="0" h="2042376">
+                <a:path w="0" h="2042356">
                   <a:moveTo>
-                    <a:pt x="0" y="2042376"/>
+                    <a:pt x="0" y="2042356"/>
                   </a:moveTo>
                   <a:lnTo>
                     <a:pt x="0" y="0"/>
@@ -4153,21 +4151,21 @@
           </p:nvSpPr>
           <p:spPr>
             <a:xfrm>
-              <a:off x="904899" y="6155035"/>
-              <a:ext cx="3574651" cy="0"/>
+              <a:off x="904660" y="6155016"/>
+              <a:ext cx="3574890" cy="0"/>
             </a:xfrm>
             <a:custGeom>
               <a:avLst/>
               <a:pathLst>
-                <a:path w="3574651" h="0">
+                <a:path w="3574890" h="0">
                   <a:moveTo>
                     <a:pt x="0" y="0"/>
                   </a:moveTo>
                   <a:lnTo>
-                    <a:pt x="3574651" y="0"/>
+                    <a:pt x="3574890" y="0"/>
                   </a:lnTo>
                   <a:lnTo>
-                    <a:pt x="3574651" y="0"/>
+                    <a:pt x="3574890" y="0"/>
                   </a:lnTo>
                 </a:path>
               </a:pathLst>
@@ -4196,21 +4194,21 @@
           </p:nvSpPr>
           <p:spPr>
             <a:xfrm>
-              <a:off x="904899" y="5609555"/>
-              <a:ext cx="3574651" cy="0"/>
+              <a:off x="904660" y="5609541"/>
+              <a:ext cx="3574890" cy="0"/>
             </a:xfrm>
             <a:custGeom>
               <a:avLst/>
               <a:pathLst>
-                <a:path w="3574651" h="0">
+                <a:path w="3574890" h="0">
                   <a:moveTo>
                     <a:pt x="0" y="0"/>
                   </a:moveTo>
                   <a:lnTo>
-                    <a:pt x="3574651" y="0"/>
+                    <a:pt x="3574890" y="0"/>
                   </a:lnTo>
                   <a:lnTo>
-                    <a:pt x="3574651" y="0"/>
+                    <a:pt x="3574890" y="0"/>
                   </a:lnTo>
                 </a:path>
               </a:pathLst>
@@ -4239,21 +4237,21 @@
           </p:nvSpPr>
           <p:spPr>
             <a:xfrm>
-              <a:off x="904899" y="5064075"/>
-              <a:ext cx="3574651" cy="0"/>
+              <a:off x="904660" y="5064066"/>
+              <a:ext cx="3574890" cy="0"/>
             </a:xfrm>
             <a:custGeom>
               <a:avLst/>
               <a:pathLst>
-                <a:path w="3574651" h="0">
+                <a:path w="3574890" h="0">
                   <a:moveTo>
                     <a:pt x="0" y="0"/>
                   </a:moveTo>
                   <a:lnTo>
-                    <a:pt x="3574651" y="0"/>
+                    <a:pt x="3574890" y="0"/>
                   </a:lnTo>
                   <a:lnTo>
-                    <a:pt x="3574651" y="0"/>
+                    <a:pt x="3574890" y="0"/>
                   </a:lnTo>
                 </a:path>
               </a:pathLst>
@@ -4282,21 +4280,21 @@
           </p:nvSpPr>
           <p:spPr>
             <a:xfrm>
-              <a:off x="904899" y="4518594"/>
-              <a:ext cx="3574651" cy="0"/>
+              <a:off x="904660" y="4518591"/>
+              <a:ext cx="3574890" cy="0"/>
             </a:xfrm>
             <a:custGeom>
               <a:avLst/>
               <a:pathLst>
-                <a:path w="3574651" h="0">
+                <a:path w="3574890" h="0">
                   <a:moveTo>
                     <a:pt x="0" y="0"/>
                   </a:moveTo>
                   <a:lnTo>
-                    <a:pt x="3574651" y="0"/>
+                    <a:pt x="3574890" y="0"/>
                   </a:lnTo>
                   <a:lnTo>
-                    <a:pt x="3574651" y="0"/>
+                    <a:pt x="3574890" y="0"/>
                   </a:lnTo>
                 </a:path>
               </a:pathLst>
@@ -4325,15 +4323,15 @@
           </p:nvSpPr>
           <p:spPr>
             <a:xfrm>
-              <a:off x="1524370" y="4161529"/>
-              <a:ext cx="0" cy="2042376"/>
+              <a:off x="1524172" y="4161529"/>
+              <a:ext cx="0" cy="2042356"/>
             </a:xfrm>
             <a:custGeom>
               <a:avLst/>
               <a:pathLst>
-                <a:path w="0" h="2042376">
+                <a:path w="0" h="2042356">
                   <a:moveTo>
-                    <a:pt x="0" y="2042376"/>
+                    <a:pt x="0" y="2042356"/>
                   </a:moveTo>
                   <a:lnTo>
                     <a:pt x="0" y="0"/>
@@ -4368,15 +4366,15 @@
           </p:nvSpPr>
           <p:spPr>
             <a:xfrm>
-              <a:off x="2370642" y="4161529"/>
-              <a:ext cx="0" cy="2042376"/>
+              <a:off x="2370500" y="4161529"/>
+              <a:ext cx="0" cy="2042356"/>
             </a:xfrm>
             <a:custGeom>
               <a:avLst/>
               <a:pathLst>
-                <a:path w="0" h="2042376">
+                <a:path w="0" h="2042356">
                   <a:moveTo>
-                    <a:pt x="0" y="2042376"/>
+                    <a:pt x="0" y="2042356"/>
                   </a:moveTo>
                   <a:lnTo>
                     <a:pt x="0" y="0"/>
@@ -4411,15 +4409,15 @@
           </p:nvSpPr>
           <p:spPr>
             <a:xfrm>
-              <a:off x="3216913" y="4161529"/>
-              <a:ext cx="0" cy="2042376"/>
+              <a:off x="3216829" y="4161529"/>
+              <a:ext cx="0" cy="2042356"/>
             </a:xfrm>
             <a:custGeom>
               <a:avLst/>
               <a:pathLst>
-                <a:path w="0" h="2042376">
+                <a:path w="0" h="2042356">
                   <a:moveTo>
-                    <a:pt x="0" y="2042376"/>
+                    <a:pt x="0" y="2042356"/>
                   </a:moveTo>
                   <a:lnTo>
                     <a:pt x="0" y="0"/>
@@ -4454,15 +4452,15 @@
           </p:nvSpPr>
           <p:spPr>
             <a:xfrm>
-              <a:off x="4063185" y="4161529"/>
-              <a:ext cx="0" cy="2042376"/>
+              <a:off x="4063157" y="4161529"/>
+              <a:ext cx="0" cy="2042356"/>
             </a:xfrm>
             <a:custGeom>
               <a:avLst/>
               <a:pathLst>
-                <a:path w="0" h="2042376">
+                <a:path w="0" h="2042356">
                   <a:moveTo>
-                    <a:pt x="0" y="2042376"/>
+                    <a:pt x="0" y="2042356"/>
                   </a:moveTo>
                   <a:lnTo>
                     <a:pt x="0" y="0"/>
@@ -4497,7 +4495,7 @@
           </p:nvSpPr>
           <p:spPr>
             <a:xfrm>
-              <a:off x="4055284" y="4229538"/>
+              <a:off x="4055258" y="4229537"/>
               <a:ext cx="49651" cy="49651"/>
             </a:xfrm>
             <a:prstGeom prst="ellipse">
@@ -4532,7 +4530,7 @@
           </p:nvSpPr>
           <p:spPr>
             <a:xfrm>
-              <a:off x="3361342" y="4783637"/>
+              <a:off x="3361268" y="4783630"/>
               <a:ext cx="49651" cy="49651"/>
             </a:xfrm>
             <a:prstGeom prst="ellipse">
@@ -4567,7 +4565,7 @@
           </p:nvSpPr>
           <p:spPr>
             <a:xfrm>
-              <a:off x="2362741" y="5636550"/>
+              <a:off x="2362601" y="5636535"/>
               <a:ext cx="49651" cy="49651"/>
             </a:xfrm>
             <a:prstGeom prst="ellipse">
@@ -4602,7 +4600,7 @@
           </p:nvSpPr>
           <p:spPr>
             <a:xfrm>
-              <a:off x="1177961" y="6050133"/>
+              <a:off x="1177741" y="6050114"/>
               <a:ext cx="49651" cy="49651"/>
             </a:xfrm>
             <a:prstGeom prst="ellipse">
@@ -4637,7 +4635,7 @@
           </p:nvSpPr>
           <p:spPr>
             <a:xfrm>
-              <a:off x="1296439" y="6055479"/>
+              <a:off x="1296227" y="6055460"/>
               <a:ext cx="49651" cy="49651"/>
             </a:xfrm>
             <a:prstGeom prst="ellipse">
@@ -4672,7 +4670,7 @@
           </p:nvSpPr>
           <p:spPr>
             <a:xfrm>
-              <a:off x="2396592" y="5658260"/>
+              <a:off x="2396454" y="5658245"/>
               <a:ext cx="49651" cy="49651"/>
             </a:xfrm>
             <a:prstGeom prst="ellipse">
@@ -4707,7 +4705,7 @@
           </p:nvSpPr>
           <p:spPr>
             <a:xfrm>
-              <a:off x="2870504" y="5525163"/>
+              <a:off x="2870398" y="5525149"/>
               <a:ext cx="49651" cy="49651"/>
             </a:xfrm>
             <a:prstGeom prst="ellipse">
@@ -4742,7 +4740,7 @@
           </p:nvSpPr>
           <p:spPr>
             <a:xfrm>
-              <a:off x="1838053" y="5901108"/>
+              <a:off x="1837877" y="5901090"/>
               <a:ext cx="49651" cy="49651"/>
             </a:xfrm>
             <a:prstGeom prst="ellipse">
@@ -4777,7 +4775,7 @@
           </p:nvSpPr>
           <p:spPr>
             <a:xfrm>
-              <a:off x="4055284" y="4730616"/>
+              <a:off x="4055258" y="4730610"/>
               <a:ext cx="49651" cy="49651"/>
             </a:xfrm>
             <a:prstGeom prst="ellipse">
@@ -4812,7 +4810,7 @@
           </p:nvSpPr>
           <p:spPr>
             <a:xfrm>
-              <a:off x="2007307" y="5693607"/>
+              <a:off x="2007143" y="5693592"/>
               <a:ext cx="49651" cy="49651"/>
             </a:xfrm>
             <a:prstGeom prst="ellipse">
@@ -4847,7 +4845,7 @@
           </p:nvSpPr>
           <p:spPr>
             <a:xfrm>
-              <a:off x="2684324" y="5336645"/>
+              <a:off x="2684206" y="5336633"/>
               <a:ext cx="49651" cy="49651"/>
             </a:xfrm>
             <a:prstGeom prst="ellipse">
@@ -4882,7 +4880,7 @@
           </p:nvSpPr>
           <p:spPr>
             <a:xfrm>
-              <a:off x="1177961" y="6054060"/>
+              <a:off x="1177741" y="6054042"/>
               <a:ext cx="49651" cy="49651"/>
             </a:xfrm>
             <a:prstGeom prst="ellipse">
@@ -4917,7 +4915,7 @@
           </p:nvSpPr>
           <p:spPr>
             <a:xfrm>
-              <a:off x="2041158" y="5841868"/>
+              <a:off x="2040996" y="5841852"/>
               <a:ext cx="49651" cy="49651"/>
             </a:xfrm>
             <a:prstGeom prst="ellipse">
@@ -4952,7 +4950,7 @@
           </p:nvSpPr>
           <p:spPr>
             <a:xfrm>
-              <a:off x="1347215" y="6055697"/>
+              <a:off x="1347007" y="6055678"/>
               <a:ext cx="49651" cy="49651"/>
             </a:xfrm>
             <a:prstGeom prst="ellipse">
@@ -4987,7 +4985,7 @@
           </p:nvSpPr>
           <p:spPr>
             <a:xfrm>
-              <a:off x="1211812" y="5998530"/>
+              <a:off x="1211594" y="5998512"/>
               <a:ext cx="49651" cy="49651"/>
             </a:xfrm>
             <a:prstGeom prst="ellipse">
@@ -5022,7 +5020,7 @@
           </p:nvSpPr>
           <p:spPr>
             <a:xfrm>
-              <a:off x="1211812" y="6086244"/>
+              <a:off x="1211594" y="6086225"/>
               <a:ext cx="49651" cy="49651"/>
             </a:xfrm>
             <a:prstGeom prst="ellipse">
@@ -5057,7 +5055,7 @@
           </p:nvSpPr>
           <p:spPr>
             <a:xfrm>
-              <a:off x="2853579" y="5494834"/>
+              <a:off x="2853471" y="5494821"/>
               <a:ext cx="49651" cy="49651"/>
             </a:xfrm>
             <a:prstGeom prst="ellipse">
@@ -5092,7 +5090,7 @@
           </p:nvSpPr>
           <p:spPr>
             <a:xfrm>
-              <a:off x="1245663" y="6008458"/>
+              <a:off x="1245448" y="6008440"/>
               <a:ext cx="49651" cy="49651"/>
             </a:xfrm>
             <a:prstGeom prst="ellipse">
@@ -5127,7 +5125,7 @@
           </p:nvSpPr>
           <p:spPr>
             <a:xfrm>
-              <a:off x="2768952" y="5672006"/>
+              <a:off x="2768839" y="5671991"/>
               <a:ext cx="49651" cy="49651"/>
             </a:xfrm>
             <a:prstGeom prst="ellipse">
@@ -5162,7 +5160,7 @@
           </p:nvSpPr>
           <p:spPr>
             <a:xfrm>
-              <a:off x="1702649" y="5973002"/>
+              <a:off x="1702465" y="5972984"/>
               <a:ext cx="49651" cy="49651"/>
             </a:xfrm>
             <a:prstGeom prst="ellipse">
@@ -5197,7 +5195,7 @@
           </p:nvSpPr>
           <p:spPr>
             <a:xfrm>
-              <a:off x="1161036" y="6070752"/>
+              <a:off x="1160815" y="6070733"/>
               <a:ext cx="49651" cy="49651"/>
             </a:xfrm>
             <a:prstGeom prst="ellipse">
@@ -5232,7 +5230,7 @@
           </p:nvSpPr>
           <p:spPr>
             <a:xfrm>
-              <a:off x="1330290" y="6056788"/>
+              <a:off x="1330080" y="6056769"/>
               <a:ext cx="49651" cy="49651"/>
             </a:xfrm>
             <a:prstGeom prst="ellipse">
@@ -5267,7 +5265,7 @@
           </p:nvSpPr>
           <p:spPr>
             <a:xfrm>
-              <a:off x="2176561" y="5583311"/>
+              <a:off x="2176409" y="5583297"/>
               <a:ext cx="49651" cy="49651"/>
             </a:xfrm>
             <a:prstGeom prst="ellipse">
@@ -5302,7 +5300,7 @@
           </p:nvSpPr>
           <p:spPr>
             <a:xfrm>
-              <a:off x="1330290" y="5982821"/>
+              <a:off x="1330080" y="5982803"/>
               <a:ext cx="49651" cy="49651"/>
             </a:xfrm>
             <a:prstGeom prst="ellipse">
@@ -5337,7 +5335,7 @@
           </p:nvSpPr>
           <p:spPr>
             <a:xfrm>
-              <a:off x="1499544" y="5980311"/>
+              <a:off x="1499346" y="5980293"/>
               <a:ext cx="49651" cy="49651"/>
             </a:xfrm>
             <a:prstGeom prst="ellipse">
@@ -5372,7 +5370,7 @@
           </p:nvSpPr>
           <p:spPr>
             <a:xfrm>
-              <a:off x="2498145" y="5560837"/>
+              <a:off x="2498013" y="5560823"/>
               <a:ext cx="49651" cy="49651"/>
             </a:xfrm>
             <a:prstGeom prst="ellipse">
@@ -5407,7 +5405,7 @@
           </p:nvSpPr>
           <p:spPr>
             <a:xfrm>
-              <a:off x="2193487" y="5695462"/>
+              <a:off x="2193335" y="5695446"/>
               <a:ext cx="49651" cy="49651"/>
             </a:xfrm>
             <a:prstGeom prst="ellipse">
@@ -5442,7 +5440,7 @@
           </p:nvSpPr>
           <p:spPr>
             <a:xfrm>
-              <a:off x="1228737" y="6039769"/>
+              <a:off x="1228521" y="6039750"/>
               <a:ext cx="49651" cy="49651"/>
             </a:xfrm>
             <a:prstGeom prst="ellipse">
@@ -5477,7 +5475,7 @@
           </p:nvSpPr>
           <p:spPr>
             <a:xfrm>
-              <a:off x="3462894" y="5052122"/>
+              <a:off x="3462828" y="5052113"/>
               <a:ext cx="49651" cy="49651"/>
             </a:xfrm>
             <a:prstGeom prst="ellipse">
@@ -5512,7 +5510,7 @@
           </p:nvSpPr>
           <p:spPr>
             <a:xfrm>
-              <a:off x="1364141" y="6009876"/>
+              <a:off x="1363934" y="6009858"/>
               <a:ext cx="49651" cy="49651"/>
             </a:xfrm>
             <a:prstGeom prst="ellipse">
@@ -5547,7 +5545,7 @@
           </p:nvSpPr>
           <p:spPr>
             <a:xfrm>
-              <a:off x="2633548" y="5624113"/>
+              <a:off x="2633426" y="5624098"/>
               <a:ext cx="49651" cy="49651"/>
             </a:xfrm>
             <a:prstGeom prst="ellipse">
@@ -5582,7 +5580,7 @@
           </p:nvSpPr>
           <p:spPr>
             <a:xfrm>
-              <a:off x="2802802" y="5223403"/>
+              <a:off x="2802692" y="5223392"/>
               <a:ext cx="49651" cy="49651"/>
             </a:xfrm>
             <a:prstGeom prst="ellipse">
@@ -5617,7 +5615,7 @@
           </p:nvSpPr>
           <p:spPr>
             <a:xfrm>
-              <a:off x="2176561" y="5630658"/>
+              <a:off x="2176409" y="5630644"/>
               <a:ext cx="49651" cy="49651"/>
             </a:xfrm>
             <a:prstGeom prst="ellipse">
@@ -5652,7 +5650,7 @@
           </p:nvSpPr>
           <p:spPr>
             <a:xfrm>
-              <a:off x="3276714" y="4369726"/>
+              <a:off x="3276636" y="4369724"/>
               <a:ext cx="49651" cy="49651"/>
             </a:xfrm>
             <a:prstGeom prst="ellipse">
@@ -5687,7 +5685,7 @@
           </p:nvSpPr>
           <p:spPr>
             <a:xfrm>
-              <a:off x="3192087" y="5129471"/>
+              <a:off x="3192003" y="5129462"/>
               <a:ext cx="49651" cy="49651"/>
             </a:xfrm>
             <a:prstGeom prst="ellipse">
@@ -5722,7 +5720,7 @@
           </p:nvSpPr>
           <p:spPr>
             <a:xfrm>
-              <a:off x="2447368" y="5495598"/>
+              <a:off x="2447234" y="5495584"/>
               <a:ext cx="49651" cy="49651"/>
             </a:xfrm>
             <a:prstGeom prst="ellipse">
@@ -5757,7 +5755,7 @@
           </p:nvSpPr>
           <p:spPr>
             <a:xfrm>
-              <a:off x="2176561" y="5699280"/>
+              <a:off x="2176409" y="5699265"/>
               <a:ext cx="49651" cy="49651"/>
             </a:xfrm>
             <a:prstGeom prst="ellipse">
@@ -5792,7 +5790,7 @@
           </p:nvSpPr>
           <p:spPr>
             <a:xfrm>
-              <a:off x="1364141" y="5949546"/>
+              <a:off x="1363934" y="5949529"/>
               <a:ext cx="49651" cy="49651"/>
             </a:xfrm>
             <a:prstGeom prst="ellipse">
@@ -5827,7 +5825,7 @@
           </p:nvSpPr>
           <p:spPr>
             <a:xfrm>
-              <a:off x="1194886" y="6071952"/>
+              <a:off x="1194668" y="6071933"/>
               <a:ext cx="49651" cy="49651"/>
             </a:xfrm>
             <a:prstGeom prst="ellipse">
@@ -5862,7 +5860,7 @@
           </p:nvSpPr>
           <p:spPr>
             <a:xfrm>
-              <a:off x="1296439" y="5977475"/>
+              <a:off x="1296227" y="5977457"/>
               <a:ext cx="49651" cy="49651"/>
             </a:xfrm>
             <a:prstGeom prst="ellipse">
@@ -5897,7 +5895,7 @@
           </p:nvSpPr>
           <p:spPr>
             <a:xfrm>
-              <a:off x="1973456" y="5869906"/>
+              <a:off x="1973290" y="5869889"/>
               <a:ext cx="49651" cy="49651"/>
             </a:xfrm>
             <a:prstGeom prst="ellipse">
@@ -5932,7 +5930,7 @@
           </p:nvSpPr>
           <p:spPr>
             <a:xfrm>
-              <a:off x="1161036" y="6055806"/>
+              <a:off x="1160815" y="6055787"/>
               <a:ext cx="49651" cy="49651"/>
             </a:xfrm>
             <a:prstGeom prst="ellipse">
@@ -5967,7 +5965,7 @@
           </p:nvSpPr>
           <p:spPr>
             <a:xfrm>
-              <a:off x="4055284" y="4304705"/>
+              <a:off x="4055258" y="4304703"/>
               <a:ext cx="49651" cy="49651"/>
             </a:xfrm>
             <a:prstGeom prst="ellipse">
@@ -6002,7 +6000,7 @@
           </p:nvSpPr>
           <p:spPr>
             <a:xfrm>
-              <a:off x="1228737" y="6065188"/>
+              <a:off x="1228521" y="6065169"/>
               <a:ext cx="49651" cy="49651"/>
             </a:xfrm>
             <a:prstGeom prst="ellipse">
@@ -6037,7 +6035,7 @@
           </p:nvSpPr>
           <p:spPr>
             <a:xfrm>
-              <a:off x="2870504" y="5465923"/>
+              <a:off x="2870398" y="5465910"/>
               <a:ext cx="49651" cy="49651"/>
             </a:xfrm>
             <a:prstGeom prst="ellipse">
@@ -6072,7 +6070,7 @@
           </p:nvSpPr>
           <p:spPr>
             <a:xfrm>
-              <a:off x="2176561" y="5721317"/>
+              <a:off x="2176409" y="5721302"/>
               <a:ext cx="49651" cy="49651"/>
             </a:xfrm>
             <a:prstGeom prst="ellipse">
@@ -6107,7 +6105,7 @@
           </p:nvSpPr>
           <p:spPr>
             <a:xfrm>
-              <a:off x="1211812" y="6072170"/>
+              <a:off x="1211594" y="6072151"/>
               <a:ext cx="49651" cy="49651"/>
             </a:xfrm>
             <a:prstGeom prst="ellipse">
@@ -6142,7 +6140,7 @@
           </p:nvSpPr>
           <p:spPr>
             <a:xfrm>
-              <a:off x="1177961" y="6042714"/>
+              <a:off x="1177741" y="6042696"/>
               <a:ext cx="49651" cy="49651"/>
             </a:xfrm>
             <a:prstGeom prst="ellipse">
@@ -6177,7 +6175,7 @@
           </p:nvSpPr>
           <p:spPr>
             <a:xfrm>
-              <a:off x="2718175" y="5425885"/>
+              <a:off x="2718059" y="5425873"/>
               <a:ext cx="49651" cy="49651"/>
             </a:xfrm>
             <a:prstGeom prst="ellipse">
@@ -6212,7 +6210,7 @@
           </p:nvSpPr>
           <p:spPr>
             <a:xfrm>
-              <a:off x="4292240" y="4560535"/>
+              <a:off x="4292229" y="4560531"/>
               <a:ext cx="49651" cy="49651"/>
             </a:xfrm>
             <a:prstGeom prst="ellipse">
@@ -6247,7 +6245,7 @@
           </p:nvSpPr>
           <p:spPr>
             <a:xfrm>
-              <a:off x="2802802" y="5501707"/>
+              <a:off x="2802692" y="5501694"/>
               <a:ext cx="49651" cy="49651"/>
             </a:xfrm>
             <a:prstGeom prst="ellipse">
@@ -6282,7 +6280,7 @@
           </p:nvSpPr>
           <p:spPr>
             <a:xfrm>
-              <a:off x="2447368" y="5499307"/>
+              <a:off x="2447234" y="5499294"/>
               <a:ext cx="49651" cy="49651"/>
             </a:xfrm>
             <a:prstGeom prst="ellipse">
@@ -6317,7 +6315,7 @@
           </p:nvSpPr>
           <p:spPr>
             <a:xfrm>
-              <a:off x="4038359" y="4908334"/>
+              <a:off x="4038331" y="4908326"/>
               <a:ext cx="49651" cy="49651"/>
             </a:xfrm>
             <a:prstGeom prst="ellipse">
@@ -6352,7 +6350,7 @@
           </p:nvSpPr>
           <p:spPr>
             <a:xfrm>
-              <a:off x="4055284" y="4728871"/>
+              <a:off x="4055258" y="4728865"/>
               <a:ext cx="49651" cy="49651"/>
             </a:xfrm>
             <a:prstGeom prst="ellipse">
@@ -6387,7 +6385,7 @@
           </p:nvSpPr>
           <p:spPr>
             <a:xfrm>
-              <a:off x="1042558" y="6078716"/>
+              <a:off x="1042329" y="6078697"/>
               <a:ext cx="49651" cy="49651"/>
             </a:xfrm>
             <a:prstGeom prst="ellipse">
@@ -6422,7 +6420,7 @@
           </p:nvSpPr>
           <p:spPr>
             <a:xfrm>
-              <a:off x="2616623" y="5491779"/>
+              <a:off x="2616499" y="5491766"/>
               <a:ext cx="49651" cy="49651"/>
             </a:xfrm>
             <a:prstGeom prst="ellipse">
@@ -6457,7 +6455,7 @@
           </p:nvSpPr>
           <p:spPr>
             <a:xfrm>
-              <a:off x="2362741" y="5369264"/>
+              <a:off x="2362601" y="5369252"/>
               <a:ext cx="49651" cy="49651"/>
             </a:xfrm>
             <a:prstGeom prst="ellipse">
@@ -6492,7 +6490,7 @@
           </p:nvSpPr>
           <p:spPr>
             <a:xfrm>
-              <a:off x="1228737" y="6065188"/>
+              <a:off x="1228521" y="6065169"/>
               <a:ext cx="49651" cy="49651"/>
             </a:xfrm>
             <a:prstGeom prst="ellipse">
@@ -6527,7 +6525,7 @@
           </p:nvSpPr>
           <p:spPr>
             <a:xfrm>
-              <a:off x="1584171" y="5907435"/>
+              <a:off x="1583979" y="5907418"/>
               <a:ext cx="49651" cy="49651"/>
             </a:xfrm>
             <a:prstGeom prst="ellipse">
@@ -6562,7 +6560,7 @@
           </p:nvSpPr>
           <p:spPr>
             <a:xfrm>
-              <a:off x="1381066" y="6005513"/>
+              <a:off x="1380860" y="6005494"/>
               <a:ext cx="49651" cy="49651"/>
             </a:xfrm>
             <a:prstGeom prst="ellipse">
@@ -6597,7 +6595,7 @@
           </p:nvSpPr>
           <p:spPr>
             <a:xfrm>
-              <a:off x="1499544" y="6034750"/>
+              <a:off x="1499346" y="6034732"/>
               <a:ext cx="49651" cy="49651"/>
             </a:xfrm>
             <a:prstGeom prst="ellipse">
@@ -6632,7 +6630,7 @@
           </p:nvSpPr>
           <p:spPr>
             <a:xfrm>
-              <a:off x="1161036" y="6019695"/>
+              <a:off x="1160815" y="6019677"/>
               <a:ext cx="49651" cy="49651"/>
             </a:xfrm>
             <a:prstGeom prst="ellipse">
@@ -6667,7 +6665,7 @@
           </p:nvSpPr>
           <p:spPr>
             <a:xfrm>
-              <a:off x="3225938" y="5168200"/>
+              <a:off x="3225856" y="5168190"/>
               <a:ext cx="49651" cy="49651"/>
             </a:xfrm>
             <a:prstGeom prst="ellipse">
@@ -6702,7 +6700,7 @@
           </p:nvSpPr>
           <p:spPr>
             <a:xfrm>
-              <a:off x="2718175" y="5369919"/>
+              <a:off x="2718059" y="5369907"/>
               <a:ext cx="49651" cy="49651"/>
             </a:xfrm>
             <a:prstGeom prst="ellipse">
@@ -6737,7 +6735,7 @@
           </p:nvSpPr>
           <p:spPr>
             <a:xfrm>
-              <a:off x="1161036" y="6046642"/>
+              <a:off x="1160815" y="6046623"/>
               <a:ext cx="49651" cy="49651"/>
             </a:xfrm>
             <a:prstGeom prst="ellipse">
@@ -6772,7 +6770,7 @@
           </p:nvSpPr>
           <p:spPr>
             <a:xfrm>
-              <a:off x="1499544" y="6024932"/>
+              <a:off x="1499346" y="6024913"/>
               <a:ext cx="49651" cy="49651"/>
             </a:xfrm>
             <a:prstGeom prst="ellipse">
@@ -6807,7 +6805,7 @@
           </p:nvSpPr>
           <p:spPr>
             <a:xfrm>
-              <a:off x="2785877" y="5121835"/>
+              <a:off x="2785765" y="5121825"/>
               <a:ext cx="49651" cy="49651"/>
             </a:xfrm>
             <a:prstGeom prst="ellipse">
@@ -6842,7 +6840,7 @@
           </p:nvSpPr>
           <p:spPr>
             <a:xfrm>
-              <a:off x="1347215" y="6004422"/>
+              <a:off x="1347007" y="6004403"/>
               <a:ext cx="49651" cy="49651"/>
             </a:xfrm>
             <a:prstGeom prst="ellipse">
@@ -6877,7 +6875,7 @@
           </p:nvSpPr>
           <p:spPr>
             <a:xfrm>
-              <a:off x="1177961" y="6050133"/>
+              <a:off x="1177741" y="6050114"/>
               <a:ext cx="49651" cy="49651"/>
             </a:xfrm>
             <a:prstGeom prst="ellipse">
@@ -6912,7 +6910,7 @@
           </p:nvSpPr>
           <p:spPr>
             <a:xfrm>
-              <a:off x="1499544" y="5978020"/>
+              <a:off x="1499346" y="5978002"/>
               <a:ext cx="49651" cy="49651"/>
             </a:xfrm>
             <a:prstGeom prst="ellipse">
@@ -6947,7 +6945,7 @@
           </p:nvSpPr>
           <p:spPr>
             <a:xfrm>
-              <a:off x="1313364" y="6022422"/>
+              <a:off x="1313154" y="6022404"/>
               <a:ext cx="49651" cy="49651"/>
             </a:xfrm>
             <a:prstGeom prst="ellipse">
@@ -6982,7 +6980,7 @@
           </p:nvSpPr>
           <p:spPr>
             <a:xfrm>
-              <a:off x="1177961" y="6038569"/>
+              <a:off x="1177741" y="6038550"/>
               <a:ext cx="49651" cy="49651"/>
             </a:xfrm>
             <a:prstGeom prst="ellipse">
@@ -7017,7 +7015,7 @@
           </p:nvSpPr>
           <p:spPr>
             <a:xfrm>
-              <a:off x="2853579" y="5285042"/>
+              <a:off x="2853471" y="5285031"/>
               <a:ext cx="49651" cy="49651"/>
             </a:xfrm>
             <a:prstGeom prst="ellipse">
@@ -7052,7 +7050,7 @@
           </p:nvSpPr>
           <p:spPr>
             <a:xfrm>
-              <a:off x="2430443" y="5587566"/>
+              <a:off x="2430307" y="5587551"/>
               <a:ext cx="49651" cy="49651"/>
             </a:xfrm>
             <a:prstGeom prst="ellipse">
@@ -7087,7 +7085,7 @@
           </p:nvSpPr>
           <p:spPr>
             <a:xfrm>
-              <a:off x="2447368" y="5408103"/>
+              <a:off x="2447234" y="5408090"/>
               <a:ext cx="49651" cy="49651"/>
             </a:xfrm>
             <a:prstGeom prst="ellipse">
@@ -7122,7 +7120,7 @@
           </p:nvSpPr>
           <p:spPr>
             <a:xfrm>
-              <a:off x="1516470" y="5959038"/>
+              <a:off x="1516273" y="5959020"/>
               <a:ext cx="49651" cy="49651"/>
             </a:xfrm>
             <a:prstGeom prst="ellipse">
@@ -7157,7 +7155,7 @@
           </p:nvSpPr>
           <p:spPr>
             <a:xfrm>
-              <a:off x="1533395" y="5942455"/>
+              <a:off x="1533199" y="5942437"/>
               <a:ext cx="49651" cy="49651"/>
             </a:xfrm>
             <a:prstGeom prst="ellipse">
@@ -7192,7 +7190,7 @@
           </p:nvSpPr>
           <p:spPr>
             <a:xfrm>
-              <a:off x="3225938" y="4311578"/>
+              <a:off x="3225856" y="4311576"/>
               <a:ext cx="49651" cy="49651"/>
             </a:xfrm>
             <a:prstGeom prst="ellipse">
@@ -7227,7 +7225,7 @@
           </p:nvSpPr>
           <p:spPr>
             <a:xfrm>
-              <a:off x="1177961" y="6073152"/>
+              <a:off x="1177741" y="6073133"/>
               <a:ext cx="49651" cy="49651"/>
             </a:xfrm>
             <a:prstGeom prst="ellipse">
@@ -7262,7 +7260,7 @@
           </p:nvSpPr>
           <p:spPr>
             <a:xfrm>
-              <a:off x="2904355" y="4490387"/>
+              <a:off x="2904251" y="4490383"/>
               <a:ext cx="49651" cy="49651"/>
             </a:xfrm>
             <a:prstGeom prst="ellipse">
@@ -7297,7 +7295,7 @@
           </p:nvSpPr>
           <p:spPr>
             <a:xfrm>
-              <a:off x="1347215" y="6026241"/>
+              <a:off x="1347007" y="6026222"/>
               <a:ext cx="49651" cy="49651"/>
             </a:xfrm>
             <a:prstGeom prst="ellipse">
@@ -7332,7 +7330,7 @@
           </p:nvSpPr>
           <p:spPr>
             <a:xfrm>
-              <a:off x="1330290" y="6057988"/>
+              <a:off x="1330080" y="6057969"/>
               <a:ext cx="49651" cy="49651"/>
             </a:xfrm>
             <a:prstGeom prst="ellipse">
@@ -7367,7 +7365,7 @@
           </p:nvSpPr>
           <p:spPr>
             <a:xfrm>
-              <a:off x="2142711" y="5751428"/>
+              <a:off x="2142556" y="5751412"/>
               <a:ext cx="49651" cy="49651"/>
             </a:xfrm>
             <a:prstGeom prst="ellipse">
@@ -7402,7 +7400,7 @@
           </p:nvSpPr>
           <p:spPr>
             <a:xfrm>
-              <a:off x="1194886" y="6059842"/>
+              <a:off x="1194668" y="6059824"/>
               <a:ext cx="49651" cy="49651"/>
             </a:xfrm>
             <a:prstGeom prst="ellipse">
@@ -7437,7 +7435,7 @@
           </p:nvSpPr>
           <p:spPr>
             <a:xfrm>
-              <a:off x="1838053" y="5852233"/>
+              <a:off x="1837877" y="5852216"/>
               <a:ext cx="49651" cy="49651"/>
             </a:xfrm>
             <a:prstGeom prst="ellipse">
@@ -7472,7 +7470,7 @@
           </p:nvSpPr>
           <p:spPr>
             <a:xfrm>
-              <a:off x="1550320" y="5976166"/>
+              <a:off x="1550126" y="5976148"/>
               <a:ext cx="49651" cy="49651"/>
             </a:xfrm>
             <a:prstGeom prst="ellipse">
@@ -7507,7 +7505,7 @@
           </p:nvSpPr>
           <p:spPr>
             <a:xfrm>
-              <a:off x="1533395" y="5995803"/>
+              <a:off x="1533199" y="5995785"/>
               <a:ext cx="49651" cy="49651"/>
             </a:xfrm>
             <a:prstGeom prst="ellipse">
@@ -7542,7 +7540,7 @@
           </p:nvSpPr>
           <p:spPr>
             <a:xfrm>
-              <a:off x="1821127" y="5926963"/>
+              <a:off x="1820951" y="5926946"/>
               <a:ext cx="49651" cy="49651"/>
             </a:xfrm>
             <a:prstGeom prst="ellipse">
@@ -7577,7 +7575,7 @@
           </p:nvSpPr>
           <p:spPr>
             <a:xfrm>
-              <a:off x="1753426" y="5925000"/>
+              <a:off x="1753245" y="5924982"/>
               <a:ext cx="49651" cy="49651"/>
             </a:xfrm>
             <a:prstGeom prst="ellipse">
@@ -7612,7 +7610,7 @@
           </p:nvSpPr>
           <p:spPr>
             <a:xfrm>
-              <a:off x="2684324" y="5490034"/>
+              <a:off x="2684206" y="5490020"/>
               <a:ext cx="49651" cy="49651"/>
             </a:xfrm>
             <a:prstGeom prst="ellipse">
@@ -7647,7 +7645,7 @@
           </p:nvSpPr>
           <p:spPr>
             <a:xfrm>
-              <a:off x="2345816" y="5360428"/>
+              <a:off x="2345674" y="5360416"/>
               <a:ext cx="49651" cy="49651"/>
             </a:xfrm>
             <a:prstGeom prst="ellipse">
@@ -7682,7 +7680,7 @@
           </p:nvSpPr>
           <p:spPr>
             <a:xfrm>
-              <a:off x="2684324" y="5870997"/>
+              <a:off x="2684206" y="5870980"/>
               <a:ext cx="49651" cy="49651"/>
             </a:xfrm>
             <a:prstGeom prst="ellipse">
@@ -7717,7 +7715,7 @@
           </p:nvSpPr>
           <p:spPr>
             <a:xfrm>
-              <a:off x="3192087" y="4372017"/>
+              <a:off x="3192003" y="4372015"/>
               <a:ext cx="49651" cy="49651"/>
             </a:xfrm>
             <a:prstGeom prst="ellipse">
@@ -7752,7 +7750,7 @@
           </p:nvSpPr>
           <p:spPr>
             <a:xfrm>
-              <a:off x="1296439" y="6021113"/>
+              <a:off x="1296227" y="6021095"/>
               <a:ext cx="49651" cy="49651"/>
             </a:xfrm>
             <a:prstGeom prst="ellipse">
@@ -7787,7 +7785,7 @@
           </p:nvSpPr>
           <p:spPr>
             <a:xfrm>
-              <a:off x="3209013" y="4954045"/>
+              <a:off x="3208929" y="4954037"/>
               <a:ext cx="49651" cy="49651"/>
             </a:xfrm>
             <a:prstGeom prst="ellipse">
@@ -7822,7 +7820,7 @@
           </p:nvSpPr>
           <p:spPr>
             <a:xfrm>
-              <a:off x="1245663" y="6080025"/>
+              <a:off x="1245448" y="6080006"/>
               <a:ext cx="49651" cy="49651"/>
             </a:xfrm>
             <a:prstGeom prst="ellipse">
@@ -7857,7 +7855,7 @@
           </p:nvSpPr>
           <p:spPr>
             <a:xfrm>
-              <a:off x="1161036" y="6069661"/>
+              <a:off x="1160815" y="6069642"/>
               <a:ext cx="49651" cy="49651"/>
             </a:xfrm>
             <a:prstGeom prst="ellipse">
@@ -7892,7 +7890,7 @@
           </p:nvSpPr>
           <p:spPr>
             <a:xfrm>
-              <a:off x="2362741" y="5600766"/>
+              <a:off x="2362601" y="5600752"/>
               <a:ext cx="49651" cy="49651"/>
             </a:xfrm>
             <a:prstGeom prst="ellipse">
@@ -7927,7 +7925,7 @@
           </p:nvSpPr>
           <p:spPr>
             <a:xfrm>
-              <a:off x="1567246" y="5918127"/>
+              <a:off x="1567052" y="5918109"/>
               <a:ext cx="49651" cy="49651"/>
             </a:xfrm>
             <a:prstGeom prst="ellipse">
@@ -7962,7 +7960,7 @@
           </p:nvSpPr>
           <p:spPr>
             <a:xfrm>
-              <a:off x="1177961" y="6050133"/>
+              <a:off x="1177741" y="6050114"/>
               <a:ext cx="49651" cy="49651"/>
             </a:xfrm>
             <a:prstGeom prst="ellipse">
@@ -7997,8 +7995,8 @@
           </p:nvSpPr>
           <p:spPr>
             <a:xfrm>
-              <a:off x="771164" y="6111243"/>
-              <a:ext cx="71105" cy="84529"/>
+              <a:off x="770981" y="6114279"/>
+              <a:ext cx="71048" cy="81473"/>
             </a:xfrm>
             <a:prstGeom prst="rect">
               <a:avLst/>
@@ -8043,8 +8041,8 @@
           </p:nvSpPr>
           <p:spPr>
             <a:xfrm>
-              <a:off x="557849" y="5565762"/>
-              <a:ext cx="284420" cy="84529"/>
+              <a:off x="557834" y="5568804"/>
+              <a:ext cx="284195" cy="81473"/>
             </a:xfrm>
             <a:prstGeom prst="rect">
               <a:avLst/>
@@ -8089,8 +8087,8 @@
           </p:nvSpPr>
           <p:spPr>
             <a:xfrm>
-              <a:off x="486744" y="5020282"/>
-              <a:ext cx="355525" cy="84529"/>
+              <a:off x="486785" y="5023329"/>
+              <a:ext cx="355244" cy="81473"/>
             </a:xfrm>
             <a:prstGeom prst="rect">
               <a:avLst/>
@@ -8135,8 +8133,8 @@
           </p:nvSpPr>
           <p:spPr>
             <a:xfrm>
-              <a:off x="486744" y="4474802"/>
-              <a:ext cx="355525" cy="84529"/>
+              <a:off x="486785" y="4477854"/>
+              <a:ext cx="355244" cy="81473"/>
             </a:xfrm>
             <a:prstGeom prst="rect">
               <a:avLst/>
@@ -8181,7 +8179,7 @@
           </p:nvSpPr>
           <p:spPr>
             <a:xfrm>
-              <a:off x="870105" y="6155035"/>
+              <a:off x="869865" y="6155016"/>
               <a:ext cx="34794" cy="0"/>
             </a:xfrm>
             <a:custGeom>
@@ -8221,7 +8219,7 @@
           </p:nvSpPr>
           <p:spPr>
             <a:xfrm>
-              <a:off x="870105" y="5609555"/>
+              <a:off x="869865" y="5609541"/>
               <a:ext cx="34794" cy="0"/>
             </a:xfrm>
             <a:custGeom>
@@ -8261,7 +8259,7 @@
           </p:nvSpPr>
           <p:spPr>
             <a:xfrm>
-              <a:off x="870105" y="5064075"/>
+              <a:off x="869865" y="5064066"/>
               <a:ext cx="34794" cy="0"/>
             </a:xfrm>
             <a:custGeom>
@@ -8301,7 +8299,7 @@
           </p:nvSpPr>
           <p:spPr>
             <a:xfrm>
-              <a:off x="870105" y="4518594"/>
+              <a:off x="869865" y="4518591"/>
               <a:ext cx="34794" cy="0"/>
             </a:xfrm>
             <a:custGeom>
@@ -8341,7 +8339,7 @@
           </p:nvSpPr>
           <p:spPr>
             <a:xfrm>
-              <a:off x="1524370" y="6203905"/>
+              <a:off x="1524172" y="6203885"/>
               <a:ext cx="0" cy="34794"/>
             </a:xfrm>
             <a:custGeom>
@@ -8381,7 +8379,7 @@
           </p:nvSpPr>
           <p:spPr>
             <a:xfrm>
-              <a:off x="2370642" y="6203905"/>
+              <a:off x="2370500" y="6203885"/>
               <a:ext cx="0" cy="34794"/>
             </a:xfrm>
             <a:custGeom>
@@ -8421,7 +8419,7 @@
           </p:nvSpPr>
           <p:spPr>
             <a:xfrm>
-              <a:off x="3216913" y="6203905"/>
+              <a:off x="3216829" y="6203885"/>
               <a:ext cx="0" cy="34794"/>
             </a:xfrm>
             <a:custGeom>
@@ -8461,7 +8459,7 @@
           </p:nvSpPr>
           <p:spPr>
             <a:xfrm>
-              <a:off x="4063185" y="6203905"/>
+              <a:off x="4063157" y="6203885"/>
               <a:ext cx="0" cy="34794"/>
             </a:xfrm>
             <a:custGeom>
@@ -8501,8 +8499,8 @@
           </p:nvSpPr>
           <p:spPr>
             <a:xfrm>
-              <a:off x="1435502" y="6263479"/>
-              <a:ext cx="177735" cy="84529"/>
+              <a:off x="1435384" y="6266515"/>
+              <a:ext cx="177576" cy="81473"/>
             </a:xfrm>
             <a:prstGeom prst="rect">
               <a:avLst/>
@@ -8547,8 +8545,8 @@
           </p:nvSpPr>
           <p:spPr>
             <a:xfrm>
-              <a:off x="2281774" y="6263479"/>
-              <a:ext cx="177735" cy="84529"/>
+              <a:off x="2281712" y="6266515"/>
+              <a:ext cx="177576" cy="81473"/>
             </a:xfrm>
             <a:prstGeom prst="rect">
               <a:avLst/>
@@ -8593,8 +8591,8 @@
           </p:nvSpPr>
           <p:spPr>
             <a:xfrm>
-              <a:off x="3128046" y="6264952"/>
-              <a:ext cx="177735" cy="83056"/>
+              <a:off x="3128040" y="6266515"/>
+              <a:ext cx="177576" cy="81473"/>
             </a:xfrm>
             <a:prstGeom prst="rect">
               <a:avLst/>
@@ -8639,8 +8637,8 @@
           </p:nvSpPr>
           <p:spPr>
             <a:xfrm>
-              <a:off x="3974317" y="6263479"/>
-              <a:ext cx="177735" cy="84529"/>
+              <a:off x="3974369" y="6266515"/>
+              <a:ext cx="177576" cy="81473"/>
             </a:xfrm>
             <a:prstGeom prst="rect">
               <a:avLst/>
@@ -8685,8 +8683,8 @@
           </p:nvSpPr>
           <p:spPr>
             <a:xfrm>
-              <a:off x="2512109" y="6407823"/>
-              <a:ext cx="360232" cy="100068"/>
+              <a:off x="2512014" y="6406008"/>
+              <a:ext cx="360182" cy="101864"/>
             </a:xfrm>
             <a:prstGeom prst="rect">
               <a:avLst/>
@@ -8731,8 +8729,8 @@
           </p:nvSpPr>
           <p:spPr>
             <a:xfrm rot="-5400000">
-              <a:off x="181451" y="5115118"/>
-              <a:ext cx="347681" cy="135197"/>
+              <a:off x="198107" y="5131775"/>
+              <a:ext cx="347746" cy="101864"/>
             </a:xfrm>
             <a:prstGeom prst="rect">
               <a:avLst/>
@@ -8770,7 +8768,7 @@
           </p:txBody>
         </p:sp>
       </p:grpSp>
-      <p:grpSp xmlns:a="http://schemas.openxmlformats.org/drawingml/2006/main" xmlns:r="http://schemas.openxmlformats.org/officeDocument/2006/relationships" xmlns:p="http://schemas.openxmlformats.org/presentationml/2006/main" xmlns:pic="http://schemas.openxmlformats.org/drawingml/2006/picture">
+      <p:grpSp xmlns:pic="http://schemas.openxmlformats.org/drawingml/2006/picture">
         <p:nvGrpSpPr>
           <p:cNvPr id="178" name=""/>
           <p:cNvGrpSpPr/>
@@ -8862,8 +8860,8 @@
           </p:nvSpPr>
           <p:spPr>
             <a:xfrm>
-              <a:off x="5248299" y="4161529"/>
-              <a:ext cx="3574651" cy="2042376"/>
+              <a:off x="5248060" y="4161529"/>
+              <a:ext cx="3574890" cy="2042356"/>
             </a:xfrm>
             <a:prstGeom prst="rect">
               <a:avLst/>
@@ -8888,21 +8886,21 @@
           </p:nvSpPr>
           <p:spPr>
             <a:xfrm>
-              <a:off x="5248299" y="5882295"/>
-              <a:ext cx="3574651" cy="0"/>
+              <a:off x="5248060" y="5882278"/>
+              <a:ext cx="3574890" cy="0"/>
             </a:xfrm>
             <a:custGeom>
               <a:avLst/>
               <a:pathLst>
-                <a:path w="3574651" h="0">
+                <a:path w="3574890" h="0">
                   <a:moveTo>
                     <a:pt x="0" y="0"/>
                   </a:moveTo>
                   <a:lnTo>
-                    <a:pt x="3574651" y="0"/>
+                    <a:pt x="3574890" y="0"/>
                   </a:lnTo>
                   <a:lnTo>
-                    <a:pt x="3574651" y="0"/>
+                    <a:pt x="3574890" y="0"/>
                   </a:lnTo>
                 </a:path>
               </a:pathLst>
@@ -8931,21 +8929,21 @@
           </p:nvSpPr>
           <p:spPr>
             <a:xfrm>
-              <a:off x="5248299" y="5336815"/>
-              <a:ext cx="3574651" cy="0"/>
+              <a:off x="5248060" y="5336803"/>
+              <a:ext cx="3574890" cy="0"/>
             </a:xfrm>
             <a:custGeom>
               <a:avLst/>
               <a:pathLst>
-                <a:path w="3574651" h="0">
+                <a:path w="3574890" h="0">
                   <a:moveTo>
                     <a:pt x="0" y="0"/>
                   </a:moveTo>
                   <a:lnTo>
-                    <a:pt x="3574651" y="0"/>
+                    <a:pt x="3574890" y="0"/>
                   </a:lnTo>
                   <a:lnTo>
-                    <a:pt x="3574651" y="0"/>
+                    <a:pt x="3574890" y="0"/>
                   </a:lnTo>
                 </a:path>
               </a:pathLst>
@@ -8974,21 +8972,21 @@
           </p:nvSpPr>
           <p:spPr>
             <a:xfrm>
-              <a:off x="5248299" y="4791335"/>
-              <a:ext cx="3574651" cy="0"/>
+              <a:off x="5248060" y="4791328"/>
+              <a:ext cx="3574890" cy="0"/>
             </a:xfrm>
             <a:custGeom>
               <a:avLst/>
               <a:pathLst>
-                <a:path w="3574651" h="0">
+                <a:path w="3574890" h="0">
                   <a:moveTo>
                     <a:pt x="0" y="0"/>
                   </a:moveTo>
                   <a:lnTo>
-                    <a:pt x="3574651" y="0"/>
+                    <a:pt x="3574890" y="0"/>
                   </a:lnTo>
                   <a:lnTo>
-                    <a:pt x="3574651" y="0"/>
+                    <a:pt x="3574890" y="0"/>
                   </a:lnTo>
                 </a:path>
               </a:pathLst>
@@ -9017,21 +9015,21 @@
           </p:nvSpPr>
           <p:spPr>
             <a:xfrm>
-              <a:off x="5248299" y="4245854"/>
-              <a:ext cx="3574651" cy="0"/>
+              <a:off x="5248060" y="4245854"/>
+              <a:ext cx="3574890" cy="0"/>
             </a:xfrm>
             <a:custGeom>
               <a:avLst/>
               <a:pathLst>
-                <a:path w="3574651" h="0">
+                <a:path w="3574890" h="0">
                   <a:moveTo>
                     <a:pt x="0" y="0"/>
                   </a:moveTo>
                   <a:lnTo>
-                    <a:pt x="3574651" y="0"/>
+                    <a:pt x="3574890" y="0"/>
                   </a:lnTo>
                   <a:lnTo>
-                    <a:pt x="3574651" y="0"/>
+                    <a:pt x="3574890" y="0"/>
                   </a:lnTo>
                 </a:path>
               </a:pathLst>
@@ -9060,15 +9058,15 @@
           </p:nvSpPr>
           <p:spPr>
             <a:xfrm>
-              <a:off x="5761601" y="4161529"/>
-              <a:ext cx="0" cy="2042376"/>
+              <a:off x="5761396" y="4161529"/>
+              <a:ext cx="0" cy="2042356"/>
             </a:xfrm>
             <a:custGeom>
               <a:avLst/>
               <a:pathLst>
-                <a:path w="0" h="2042376">
+                <a:path w="0" h="2042356">
                   <a:moveTo>
-                    <a:pt x="0" y="2042376"/>
+                    <a:pt x="0" y="2042356"/>
                   </a:moveTo>
                   <a:lnTo>
                     <a:pt x="0" y="0"/>
@@ -9103,15 +9101,15 @@
           </p:nvSpPr>
           <p:spPr>
             <a:xfrm>
-              <a:off x="6684807" y="4161529"/>
-              <a:ext cx="0" cy="2042376"/>
+              <a:off x="6684664" y="4161529"/>
+              <a:ext cx="0" cy="2042356"/>
             </a:xfrm>
             <a:custGeom>
               <a:avLst/>
               <a:pathLst>
-                <a:path w="0" h="2042376">
+                <a:path w="0" h="2042356">
                   <a:moveTo>
-                    <a:pt x="0" y="2042376"/>
+                    <a:pt x="0" y="2042356"/>
                   </a:moveTo>
                   <a:lnTo>
                     <a:pt x="0" y="0"/>
@@ -9146,15 +9144,15 @@
           </p:nvSpPr>
           <p:spPr>
             <a:xfrm>
-              <a:off x="7608012" y="4161529"/>
-              <a:ext cx="0" cy="2042376"/>
+              <a:off x="7607931" y="4161529"/>
+              <a:ext cx="0" cy="2042356"/>
             </a:xfrm>
             <a:custGeom>
               <a:avLst/>
               <a:pathLst>
-                <a:path w="0" h="2042376">
+                <a:path w="0" h="2042356">
                   <a:moveTo>
-                    <a:pt x="0" y="2042376"/>
+                    <a:pt x="0" y="2042356"/>
                   </a:moveTo>
                   <a:lnTo>
                     <a:pt x="0" y="0"/>
@@ -9189,15 +9187,15 @@
           </p:nvSpPr>
           <p:spPr>
             <a:xfrm>
-              <a:off x="8531218" y="4161529"/>
-              <a:ext cx="0" cy="2042376"/>
+              <a:off x="8531198" y="4161529"/>
+              <a:ext cx="0" cy="2042356"/>
             </a:xfrm>
             <a:custGeom>
               <a:avLst/>
               <a:pathLst>
-                <a:path w="0" h="2042376">
+                <a:path w="0" h="2042356">
                   <a:moveTo>
-                    <a:pt x="0" y="2042376"/>
+                    <a:pt x="0" y="2042356"/>
                   </a:moveTo>
                   <a:lnTo>
                     <a:pt x="0" y="0"/>
@@ -9232,21 +9230,21 @@
           </p:nvSpPr>
           <p:spPr>
             <a:xfrm>
-              <a:off x="5248299" y="6155035"/>
-              <a:ext cx="3574651" cy="0"/>
+              <a:off x="5248060" y="6155016"/>
+              <a:ext cx="3574890" cy="0"/>
             </a:xfrm>
             <a:custGeom>
               <a:avLst/>
               <a:pathLst>
-                <a:path w="3574651" h="0">
+                <a:path w="3574890" h="0">
                   <a:moveTo>
                     <a:pt x="0" y="0"/>
                   </a:moveTo>
                   <a:lnTo>
-                    <a:pt x="3574651" y="0"/>
+                    <a:pt x="3574890" y="0"/>
                   </a:lnTo>
                   <a:lnTo>
-                    <a:pt x="3574651" y="0"/>
+                    <a:pt x="3574890" y="0"/>
                   </a:lnTo>
                 </a:path>
               </a:pathLst>
@@ -9275,21 +9273,21 @@
           </p:nvSpPr>
           <p:spPr>
             <a:xfrm>
-              <a:off x="5248299" y="5609555"/>
-              <a:ext cx="3574651" cy="0"/>
+              <a:off x="5248060" y="5609541"/>
+              <a:ext cx="3574890" cy="0"/>
             </a:xfrm>
             <a:custGeom>
               <a:avLst/>
               <a:pathLst>
-                <a:path w="3574651" h="0">
+                <a:path w="3574890" h="0">
                   <a:moveTo>
                     <a:pt x="0" y="0"/>
                   </a:moveTo>
                   <a:lnTo>
-                    <a:pt x="3574651" y="0"/>
+                    <a:pt x="3574890" y="0"/>
                   </a:lnTo>
                   <a:lnTo>
-                    <a:pt x="3574651" y="0"/>
+                    <a:pt x="3574890" y="0"/>
                   </a:lnTo>
                 </a:path>
               </a:pathLst>
@@ -9318,21 +9316,21 @@
           </p:nvSpPr>
           <p:spPr>
             <a:xfrm>
-              <a:off x="5248299" y="5064075"/>
-              <a:ext cx="3574651" cy="0"/>
+              <a:off x="5248060" y="5064066"/>
+              <a:ext cx="3574890" cy="0"/>
             </a:xfrm>
             <a:custGeom>
               <a:avLst/>
               <a:pathLst>
-                <a:path w="3574651" h="0">
+                <a:path w="3574890" h="0">
                   <a:moveTo>
                     <a:pt x="0" y="0"/>
                   </a:moveTo>
                   <a:lnTo>
-                    <a:pt x="3574651" y="0"/>
+                    <a:pt x="3574890" y="0"/>
                   </a:lnTo>
                   <a:lnTo>
-                    <a:pt x="3574651" y="0"/>
+                    <a:pt x="3574890" y="0"/>
                   </a:lnTo>
                 </a:path>
               </a:pathLst>
@@ -9361,21 +9359,21 @@
           </p:nvSpPr>
           <p:spPr>
             <a:xfrm>
-              <a:off x="5248299" y="4518594"/>
-              <a:ext cx="3574651" cy="0"/>
+              <a:off x="5248060" y="4518591"/>
+              <a:ext cx="3574890" cy="0"/>
             </a:xfrm>
             <a:custGeom>
               <a:avLst/>
               <a:pathLst>
-                <a:path w="3574651" h="0">
+                <a:path w="3574890" h="0">
                   <a:moveTo>
                     <a:pt x="0" y="0"/>
                   </a:moveTo>
                   <a:lnTo>
-                    <a:pt x="3574651" y="0"/>
+                    <a:pt x="3574890" y="0"/>
                   </a:lnTo>
                   <a:lnTo>
-                    <a:pt x="3574651" y="0"/>
+                    <a:pt x="3574890" y="0"/>
                   </a:lnTo>
                 </a:path>
               </a:pathLst>
@@ -9404,15 +9402,15 @@
           </p:nvSpPr>
           <p:spPr>
             <a:xfrm>
-              <a:off x="5299999" y="4161529"/>
-              <a:ext cx="0" cy="2042376"/>
+              <a:off x="5299763" y="4161529"/>
+              <a:ext cx="0" cy="2042356"/>
             </a:xfrm>
             <a:custGeom>
               <a:avLst/>
               <a:pathLst>
-                <a:path w="0" h="2042376">
+                <a:path w="0" h="2042356">
                   <a:moveTo>
-                    <a:pt x="0" y="2042376"/>
+                    <a:pt x="0" y="2042356"/>
                   </a:moveTo>
                   <a:lnTo>
                     <a:pt x="0" y="0"/>
@@ -9447,15 +9445,15 @@
           </p:nvSpPr>
           <p:spPr>
             <a:xfrm>
-              <a:off x="6223204" y="4161529"/>
-              <a:ext cx="0" cy="2042376"/>
+              <a:off x="6223030" y="4161529"/>
+              <a:ext cx="0" cy="2042356"/>
             </a:xfrm>
             <a:custGeom>
               <a:avLst/>
               <a:pathLst>
-                <a:path w="0" h="2042376">
+                <a:path w="0" h="2042356">
                   <a:moveTo>
-                    <a:pt x="0" y="2042376"/>
+                    <a:pt x="0" y="2042356"/>
                   </a:moveTo>
                   <a:lnTo>
                     <a:pt x="0" y="0"/>
@@ -9490,15 +9488,15 @@
           </p:nvSpPr>
           <p:spPr>
             <a:xfrm>
-              <a:off x="7146410" y="4161529"/>
-              <a:ext cx="0" cy="2042376"/>
+              <a:off x="7146297" y="4161529"/>
+              <a:ext cx="0" cy="2042356"/>
             </a:xfrm>
             <a:custGeom>
               <a:avLst/>
               <a:pathLst>
-                <a:path w="0" h="2042376">
+                <a:path w="0" h="2042356">
                   <a:moveTo>
-                    <a:pt x="0" y="2042376"/>
+                    <a:pt x="0" y="2042356"/>
                   </a:moveTo>
                   <a:lnTo>
                     <a:pt x="0" y="0"/>
@@ -9533,15 +9531,15 @@
           </p:nvSpPr>
           <p:spPr>
             <a:xfrm>
-              <a:off x="8069615" y="4161529"/>
-              <a:ext cx="0" cy="2042376"/>
+              <a:off x="8069564" y="4161529"/>
+              <a:ext cx="0" cy="2042356"/>
             </a:xfrm>
             <a:custGeom>
               <a:avLst/>
               <a:pathLst>
-                <a:path w="0" h="2042376">
+                <a:path w="0" h="2042356">
                   <a:moveTo>
-                    <a:pt x="0" y="2042376"/>
+                    <a:pt x="0" y="2042356"/>
                   </a:moveTo>
                   <a:lnTo>
                     <a:pt x="0" y="0"/>
@@ -9576,7 +9574,7 @@
           </p:nvSpPr>
           <p:spPr>
             <a:xfrm>
-              <a:off x="7601650" y="4229538"/>
+              <a:off x="7601570" y="4229537"/>
               <a:ext cx="49651" cy="49651"/>
             </a:xfrm>
             <a:prstGeom prst="ellipse">
@@ -9611,7 +9609,7 @@
           </p:nvSpPr>
           <p:spPr>
             <a:xfrm>
-              <a:off x="6383019" y="4783637"/>
+              <a:off x="6382857" y="4783630"/>
               <a:ext cx="49651" cy="49651"/>
             </a:xfrm>
             <a:prstGeom prst="ellipse">
@@ -9646,7 +9644,7 @@
           </p:nvSpPr>
           <p:spPr>
             <a:xfrm>
-              <a:off x="6493804" y="5636550"/>
+              <a:off x="6493649" y="5636535"/>
               <a:ext cx="49651" cy="49651"/>
             </a:xfrm>
             <a:prstGeom prst="ellipse">
@@ -9681,7 +9679,7 @@
           </p:nvSpPr>
           <p:spPr>
             <a:xfrm>
-              <a:off x="6752301" y="6050133"/>
+              <a:off x="6752164" y="6050114"/>
               <a:ext cx="49651" cy="49651"/>
             </a:xfrm>
             <a:prstGeom prst="ellipse">
@@ -9716,7 +9714,7 @@
           </p:nvSpPr>
           <p:spPr>
             <a:xfrm>
-              <a:off x="6678445" y="6055479"/>
+              <a:off x="6678303" y="6055460"/>
               <a:ext cx="49651" cy="49651"/>
             </a:xfrm>
             <a:prstGeom prst="ellipse">
@@ -9751,7 +9749,7 @@
           </p:nvSpPr>
           <p:spPr>
             <a:xfrm>
-              <a:off x="6936943" y="5658260"/>
+              <a:off x="6936818" y="5658245"/>
               <a:ext cx="49651" cy="49651"/>
             </a:xfrm>
             <a:prstGeom prst="ellipse">
@@ -9786,7 +9784,7 @@
           </p:nvSpPr>
           <p:spPr>
             <a:xfrm>
-              <a:off x="7527794" y="5525163"/>
+              <a:off x="7527709" y="5525149"/>
               <a:ext cx="49651" cy="49651"/>
             </a:xfrm>
             <a:prstGeom prst="ellipse">
@@ -9821,7 +9819,7 @@
           </p:nvSpPr>
           <p:spPr>
             <a:xfrm>
-              <a:off x="7380081" y="5901108"/>
+              <a:off x="7379986" y="5901090"/>
               <a:ext cx="49651" cy="49651"/>
             </a:xfrm>
             <a:prstGeom prst="ellipse">
@@ -9856,7 +9854,7 @@
           </p:nvSpPr>
           <p:spPr>
             <a:xfrm>
-              <a:off x="7453938" y="4730616"/>
+              <a:off x="7453847" y="4730610"/>
               <a:ext cx="49651" cy="49651"/>
             </a:xfrm>
             <a:prstGeom prst="ellipse">
@@ -9891,7 +9889,7 @@
           </p:nvSpPr>
           <p:spPr>
             <a:xfrm>
-              <a:off x="7121584" y="5693607"/>
+              <a:off x="7121471" y="5693592"/>
               <a:ext cx="49651" cy="49651"/>
             </a:xfrm>
             <a:prstGeom prst="ellipse">
@@ -9926,7 +9924,7 @@
           </p:nvSpPr>
           <p:spPr>
             <a:xfrm>
-              <a:off x="6530732" y="5336645"/>
+              <a:off x="6530580" y="5336633"/>
               <a:ext cx="49651" cy="49651"/>
             </a:xfrm>
             <a:prstGeom prst="ellipse">
@@ -9961,7 +9959,7 @@
           </p:nvSpPr>
           <p:spPr>
             <a:xfrm>
-              <a:off x="7638579" y="6054060"/>
+              <a:off x="7638501" y="6054042"/>
               <a:ext cx="49651" cy="49651"/>
             </a:xfrm>
             <a:prstGeom prst="ellipse">
@@ -9996,7 +9994,7 @@
           </p:nvSpPr>
           <p:spPr>
             <a:xfrm>
-              <a:off x="7269296" y="5841868"/>
+              <a:off x="7269194" y="5841852"/>
               <a:ext cx="49651" cy="49651"/>
             </a:xfrm>
             <a:prstGeom prst="ellipse">
@@ -10031,7 +10029,7 @@
           </p:nvSpPr>
           <p:spPr>
             <a:xfrm>
-              <a:off x="6826158" y="6055697"/>
+              <a:off x="6826026" y="6055678"/>
               <a:ext cx="49651" cy="49651"/>
             </a:xfrm>
             <a:prstGeom prst="ellipse">
@@ -10066,7 +10064,7 @@
           </p:nvSpPr>
           <p:spPr>
             <a:xfrm>
-              <a:off x="6900014" y="5998530"/>
+              <a:off x="6899887" y="5998512"/>
               <a:ext cx="49651" cy="49651"/>
             </a:xfrm>
             <a:prstGeom prst="ellipse">
@@ -10101,7 +10099,7 @@
           </p:nvSpPr>
           <p:spPr>
             <a:xfrm>
-              <a:off x="6641517" y="6086244"/>
+              <a:off x="6641372" y="6086225"/>
               <a:ext cx="49651" cy="49651"/>
             </a:xfrm>
             <a:prstGeom prst="ellipse">
@@ -10136,7 +10134,7 @@
           </p:nvSpPr>
           <p:spPr>
             <a:xfrm>
-              <a:off x="7195440" y="5494834"/>
+              <a:off x="7195333" y="5494821"/>
               <a:ext cx="49651" cy="49651"/>
             </a:xfrm>
             <a:prstGeom prst="ellipse">
@@ -10171,7 +10169,7 @@
           </p:nvSpPr>
           <p:spPr>
             <a:xfrm>
-              <a:off x="7047727" y="6008458"/>
+              <a:off x="7047610" y="6008440"/>
               <a:ext cx="49651" cy="49651"/>
             </a:xfrm>
             <a:prstGeom prst="ellipse">
@@ -10206,7 +10204,7 @@
           </p:nvSpPr>
           <p:spPr>
             <a:xfrm>
-              <a:off x="6936943" y="5672006"/>
+              <a:off x="6936818" y="5671991"/>
               <a:ext cx="49651" cy="49651"/>
             </a:xfrm>
             <a:prstGeom prst="ellipse">
@@ -10241,7 +10239,7 @@
           </p:nvSpPr>
           <p:spPr>
             <a:xfrm>
-              <a:off x="6678445" y="5973002"/>
+              <a:off x="6678303" y="5972984"/>
               <a:ext cx="49651" cy="49651"/>
             </a:xfrm>
             <a:prstGeom prst="ellipse">
@@ -10276,7 +10274,7 @@
           </p:nvSpPr>
           <p:spPr>
             <a:xfrm>
-              <a:off x="6863086" y="6070752"/>
+              <a:off x="6862956" y="6070733"/>
               <a:ext cx="49651" cy="49651"/>
             </a:xfrm>
             <a:prstGeom prst="ellipse">
@@ -10311,7 +10309,7 @@
           </p:nvSpPr>
           <p:spPr>
             <a:xfrm>
-              <a:off x="7010799" y="6056788"/>
+              <a:off x="7010679" y="6056769"/>
               <a:ext cx="49651" cy="49651"/>
             </a:xfrm>
             <a:prstGeom prst="ellipse">
@@ -10346,7 +10344,7 @@
           </p:nvSpPr>
           <p:spPr>
             <a:xfrm>
-              <a:off x="6530732" y="5583311"/>
+              <a:off x="6530580" y="5583297"/>
               <a:ext cx="49651" cy="49651"/>
             </a:xfrm>
             <a:prstGeom prst="ellipse">
@@ -10381,7 +10379,7 @@
           </p:nvSpPr>
           <p:spPr>
             <a:xfrm>
-              <a:off x="6863086" y="5982821"/>
+              <a:off x="6862956" y="5982803"/>
               <a:ext cx="49651" cy="49651"/>
             </a:xfrm>
             <a:prstGeom prst="ellipse">
@@ -10416,7 +10414,7 @@
           </p:nvSpPr>
           <p:spPr>
             <a:xfrm>
-              <a:off x="7490866" y="5980311"/>
+              <a:off x="7490778" y="5980293"/>
               <a:ext cx="49651" cy="49651"/>
             </a:xfrm>
             <a:prstGeom prst="ellipse">
@@ -10451,7 +10449,7 @@
           </p:nvSpPr>
           <p:spPr>
             <a:xfrm>
-              <a:off x="7084655" y="5560837"/>
+              <a:off x="7084541" y="5560823"/>
               <a:ext cx="49651" cy="49651"/>
             </a:xfrm>
             <a:prstGeom prst="ellipse">
@@ -10486,7 +10484,7 @@
           </p:nvSpPr>
           <p:spPr>
             <a:xfrm>
-              <a:off x="6789230" y="5695462"/>
+              <a:off x="6789095" y="5695446"/>
               <a:ext cx="49651" cy="49651"/>
             </a:xfrm>
             <a:prstGeom prst="ellipse">
@@ -10521,7 +10519,7 @@
           </p:nvSpPr>
           <p:spPr>
             <a:xfrm>
-              <a:off x="7010799" y="6039769"/>
+              <a:off x="7010679" y="6039750"/>
               <a:ext cx="49651" cy="49651"/>
             </a:xfrm>
             <a:prstGeom prst="ellipse">
@@ -10556,7 +10554,7 @@
           </p:nvSpPr>
           <p:spPr>
             <a:xfrm>
-              <a:off x="7158512" y="5052122"/>
+              <a:off x="7158402" y="5052113"/>
               <a:ext cx="49651" cy="49651"/>
             </a:xfrm>
             <a:prstGeom prst="ellipse">
@@ -10591,7 +10589,7 @@
           </p:nvSpPr>
           <p:spPr>
             <a:xfrm>
-              <a:off x="6530732" y="6009876"/>
+              <a:off x="6530580" y="6009858"/>
               <a:ext cx="49651" cy="49651"/>
             </a:xfrm>
             <a:prstGeom prst="ellipse">
@@ -10626,7 +10624,7 @@
           </p:nvSpPr>
           <p:spPr>
             <a:xfrm>
-              <a:off x="5385958" y="5624113"/>
+              <a:off x="5385729" y="5624098"/>
               <a:ext cx="49651" cy="49651"/>
             </a:xfrm>
             <a:prstGeom prst="ellipse">
@@ -10661,7 +10659,7 @@
           </p:nvSpPr>
           <p:spPr>
             <a:xfrm>
-              <a:off x="7121584" y="5223403"/>
+              <a:off x="7121471" y="5223392"/>
               <a:ext cx="49651" cy="49651"/>
             </a:xfrm>
             <a:prstGeom prst="ellipse">
@@ -10696,7 +10694,7 @@
           </p:nvSpPr>
           <p:spPr>
             <a:xfrm>
-              <a:off x="7195440" y="5630658"/>
+              <a:off x="7195333" y="5630644"/>
               <a:ext cx="49651" cy="49651"/>
             </a:xfrm>
             <a:prstGeom prst="ellipse">
@@ -10731,7 +10729,7 @@
           </p:nvSpPr>
           <p:spPr>
             <a:xfrm>
-              <a:off x="6752301" y="4369726"/>
+              <a:off x="6752164" y="4369724"/>
               <a:ext cx="49651" cy="49651"/>
             </a:xfrm>
             <a:prstGeom prst="ellipse">
@@ -10766,7 +10764,7 @@
           </p:nvSpPr>
           <p:spPr>
             <a:xfrm>
-              <a:off x="6272235" y="5129471"/>
+              <a:off x="6272065" y="5129462"/>
               <a:ext cx="49651" cy="49651"/>
             </a:xfrm>
             <a:prstGeom prst="ellipse">
@@ -10801,7 +10799,7 @@
           </p:nvSpPr>
           <p:spPr>
             <a:xfrm>
-              <a:off x="5976809" y="5495598"/>
+              <a:off x="5976620" y="5495584"/>
               <a:ext cx="49651" cy="49651"/>
             </a:xfrm>
             <a:prstGeom prst="ellipse">
@@ -10836,7 +10834,7 @@
           </p:nvSpPr>
           <p:spPr>
             <a:xfrm>
-              <a:off x="6346091" y="5699280"/>
+              <a:off x="6345927" y="5699265"/>
               <a:ext cx="49651" cy="49651"/>
             </a:xfrm>
             <a:prstGeom prst="ellipse">
@@ -10871,7 +10869,7 @@
           </p:nvSpPr>
           <p:spPr>
             <a:xfrm>
-              <a:off x="6715373" y="5949546"/>
+              <a:off x="6715234" y="5949529"/>
               <a:ext cx="49651" cy="49651"/>
             </a:xfrm>
             <a:prstGeom prst="ellipse">
@@ -10906,7 +10904,7 @@
           </p:nvSpPr>
           <p:spPr>
             <a:xfrm>
-              <a:off x="6826158" y="6071952"/>
+              <a:off x="6826026" y="6071933"/>
               <a:ext cx="49651" cy="49651"/>
             </a:xfrm>
             <a:prstGeom prst="ellipse">
@@ -10941,7 +10939,7 @@
           </p:nvSpPr>
           <p:spPr>
             <a:xfrm>
-              <a:off x="6863086" y="5977475"/>
+              <a:off x="6862956" y="5977457"/>
               <a:ext cx="49651" cy="49651"/>
             </a:xfrm>
             <a:prstGeom prst="ellipse">
@@ -10976,7 +10974,7 @@
           </p:nvSpPr>
           <p:spPr>
             <a:xfrm>
-              <a:off x="6419948" y="5869906"/>
+              <a:off x="6419788" y="5869889"/>
               <a:ext cx="49651" cy="49651"/>
             </a:xfrm>
             <a:prstGeom prst="ellipse">
@@ -11011,7 +11009,7 @@
           </p:nvSpPr>
           <p:spPr>
             <a:xfrm>
-              <a:off x="7121584" y="6055806"/>
+              <a:off x="7121471" y="6055787"/>
               <a:ext cx="49651" cy="49651"/>
             </a:xfrm>
             <a:prstGeom prst="ellipse">
@@ -11046,7 +11044,7 @@
           </p:nvSpPr>
           <p:spPr>
             <a:xfrm>
-              <a:off x="5829096" y="4304705"/>
+              <a:off x="5828897" y="4304703"/>
               <a:ext cx="49651" cy="49651"/>
             </a:xfrm>
             <a:prstGeom prst="ellipse">
@@ -11081,7 +11079,7 @@
           </p:nvSpPr>
           <p:spPr>
             <a:xfrm>
-              <a:off x="6936943" y="6065188"/>
+              <a:off x="6936818" y="6065169"/>
               <a:ext cx="49651" cy="49651"/>
             </a:xfrm>
             <a:prstGeom prst="ellipse">
@@ -11116,7 +11114,7 @@
           </p:nvSpPr>
           <p:spPr>
             <a:xfrm>
-              <a:off x="6198378" y="5465923"/>
+              <a:off x="6198204" y="5465910"/>
               <a:ext cx="49651" cy="49651"/>
             </a:xfrm>
             <a:prstGeom prst="ellipse">
@@ -11151,7 +11149,7 @@
           </p:nvSpPr>
           <p:spPr>
             <a:xfrm>
-              <a:off x="7121584" y="5721317"/>
+              <a:off x="7121471" y="5721302"/>
               <a:ext cx="49651" cy="49651"/>
             </a:xfrm>
             <a:prstGeom prst="ellipse">
@@ -11186,7 +11184,7 @@
           </p:nvSpPr>
           <p:spPr>
             <a:xfrm>
-              <a:off x="6752301" y="6072170"/>
+              <a:off x="6752164" y="6072151"/>
               <a:ext cx="49651" cy="49651"/>
             </a:xfrm>
             <a:prstGeom prst="ellipse">
@@ -11221,7 +11219,7 @@
           </p:nvSpPr>
           <p:spPr>
             <a:xfrm>
-              <a:off x="6678445" y="6042714"/>
+              <a:off x="6678303" y="6042696"/>
               <a:ext cx="49651" cy="49651"/>
             </a:xfrm>
             <a:prstGeom prst="ellipse">
@@ -11256,7 +11254,7 @@
           </p:nvSpPr>
           <p:spPr>
             <a:xfrm>
-              <a:off x="7232368" y="5425885"/>
+              <a:off x="7232263" y="5425873"/>
               <a:ext cx="49651" cy="49651"/>
             </a:xfrm>
             <a:prstGeom prst="ellipse">
@@ -11291,7 +11289,7 @@
           </p:nvSpPr>
           <p:spPr>
             <a:xfrm>
-              <a:off x="6826158" y="4560535"/>
+              <a:off x="6826026" y="4560531"/>
               <a:ext cx="49651" cy="49651"/>
             </a:xfrm>
             <a:prstGeom prst="ellipse">
@@ -11326,7 +11324,7 @@
           </p:nvSpPr>
           <p:spPr>
             <a:xfrm>
-              <a:off x="6235306" y="5501707"/>
+              <a:off x="6235135" y="5501694"/>
               <a:ext cx="49651" cy="49651"/>
             </a:xfrm>
             <a:prstGeom prst="ellipse">
@@ -11361,7 +11359,7 @@
           </p:nvSpPr>
           <p:spPr>
             <a:xfrm>
-              <a:off x="7121584" y="5499307"/>
+              <a:off x="7121471" y="5499294"/>
               <a:ext cx="49651" cy="49651"/>
             </a:xfrm>
             <a:prstGeom prst="ellipse">
@@ -11396,7 +11394,7 @@
           </p:nvSpPr>
           <p:spPr>
             <a:xfrm>
-              <a:off x="6826158" y="4908334"/>
+              <a:off x="6826026" y="4908326"/>
               <a:ext cx="49651" cy="49651"/>
             </a:xfrm>
             <a:prstGeom prst="ellipse">
@@ -11431,7 +11429,7 @@
           </p:nvSpPr>
           <p:spPr>
             <a:xfrm>
-              <a:off x="6272235" y="4728871"/>
+              <a:off x="6272065" y="4728865"/>
               <a:ext cx="49651" cy="49651"/>
             </a:xfrm>
             <a:prstGeom prst="ellipse">
@@ -11466,7 +11464,7 @@
           </p:nvSpPr>
           <p:spPr>
             <a:xfrm>
-              <a:off x="6309163" y="6078716"/>
+              <a:off x="6308996" y="6078697"/>
               <a:ext cx="49651" cy="49651"/>
             </a:xfrm>
             <a:prstGeom prst="ellipse">
@@ -11501,7 +11499,7 @@
           </p:nvSpPr>
           <p:spPr>
             <a:xfrm>
-              <a:off x="6198378" y="5491779"/>
+              <a:off x="6198204" y="5491766"/>
               <a:ext cx="49651" cy="49651"/>
             </a:xfrm>
             <a:prstGeom prst="ellipse">
@@ -11536,7 +11534,7 @@
           </p:nvSpPr>
           <p:spPr>
             <a:xfrm>
-              <a:off x="7417009" y="5369264"/>
+              <a:off x="7416917" y="5369252"/>
               <a:ext cx="49651" cy="49651"/>
             </a:xfrm>
             <a:prstGeom prst="ellipse">
@@ -11571,7 +11569,7 @@
           </p:nvSpPr>
           <p:spPr>
             <a:xfrm>
-              <a:off x="5829096" y="6065188"/>
+              <a:off x="5828897" y="6065169"/>
               <a:ext cx="49651" cy="49651"/>
             </a:xfrm>
             <a:prstGeom prst="ellipse">
@@ -11606,7 +11604,7 @@
           </p:nvSpPr>
           <p:spPr>
             <a:xfrm>
-              <a:off x="6936943" y="5907435"/>
+              <a:off x="6936818" y="5907418"/>
               <a:ext cx="49651" cy="49651"/>
             </a:xfrm>
             <a:prstGeom prst="ellipse">
@@ -11641,7 +11639,7 @@
           </p:nvSpPr>
           <p:spPr>
             <a:xfrm>
-              <a:off x="6456876" y="6005513"/>
+              <a:off x="6456719" y="6005494"/>
               <a:ext cx="49651" cy="49651"/>
             </a:xfrm>
             <a:prstGeom prst="ellipse">
@@ -11676,7 +11674,7 @@
           </p:nvSpPr>
           <p:spPr>
             <a:xfrm>
-              <a:off x="6826158" y="6034750"/>
+              <a:off x="6826026" y="6034732"/>
               <a:ext cx="49651" cy="49651"/>
             </a:xfrm>
             <a:prstGeom prst="ellipse">
@@ -11711,7 +11709,7 @@
           </p:nvSpPr>
           <p:spPr>
             <a:xfrm>
-              <a:off x="7047727" y="6019695"/>
+              <a:off x="7047610" y="6019677"/>
               <a:ext cx="49651" cy="49651"/>
             </a:xfrm>
             <a:prstGeom prst="ellipse">
@@ -11746,7 +11744,7 @@
           </p:nvSpPr>
           <p:spPr>
             <a:xfrm>
-              <a:off x="6641517" y="5168200"/>
+              <a:off x="6641372" y="5168190"/>
               <a:ext cx="49651" cy="49651"/>
             </a:xfrm>
             <a:prstGeom prst="ellipse">
@@ -11781,7 +11779,7 @@
           </p:nvSpPr>
           <p:spPr>
             <a:xfrm>
-              <a:off x="7084655" y="5369919"/>
+              <a:off x="7084541" y="5369907"/>
               <a:ext cx="49651" cy="49651"/>
             </a:xfrm>
             <a:prstGeom prst="ellipse">
@@ -11816,7 +11814,7 @@
           </p:nvSpPr>
           <p:spPr>
             <a:xfrm>
-              <a:off x="6900014" y="6046642"/>
+              <a:off x="6899887" y="6046623"/>
               <a:ext cx="49651" cy="49651"/>
             </a:xfrm>
             <a:prstGeom prst="ellipse">
@@ -11851,7 +11849,7 @@
           </p:nvSpPr>
           <p:spPr>
             <a:xfrm>
-              <a:off x="7380081" y="6024932"/>
+              <a:off x="7379986" y="6024913"/>
               <a:ext cx="49651" cy="49651"/>
             </a:xfrm>
             <a:prstGeom prst="ellipse">
@@ -11886,7 +11884,7 @@
           </p:nvSpPr>
           <p:spPr>
             <a:xfrm>
-              <a:off x="6789230" y="5121835"/>
+              <a:off x="6789095" y="5121825"/>
               <a:ext cx="49651" cy="49651"/>
             </a:xfrm>
             <a:prstGeom prst="ellipse">
@@ -11921,7 +11919,7 @@
           </p:nvSpPr>
           <p:spPr>
             <a:xfrm>
-              <a:off x="6973871" y="6004422"/>
+              <a:off x="6973748" y="6004403"/>
               <a:ext cx="49651" cy="49651"/>
             </a:xfrm>
             <a:prstGeom prst="ellipse">
@@ -11956,7 +11954,7 @@
           </p:nvSpPr>
           <p:spPr>
             <a:xfrm>
-              <a:off x="6863086" y="6050133"/>
+              <a:off x="6862956" y="6050114"/>
               <a:ext cx="49651" cy="49651"/>
             </a:xfrm>
             <a:prstGeom prst="ellipse">
@@ -11991,7 +11989,7 @@
           </p:nvSpPr>
           <p:spPr>
             <a:xfrm>
-              <a:off x="6309163" y="5978020"/>
+              <a:off x="6308996" y="5978002"/>
               <a:ext cx="49651" cy="49651"/>
             </a:xfrm>
             <a:prstGeom prst="ellipse">
@@ -12026,7 +12024,7 @@
           </p:nvSpPr>
           <p:spPr>
             <a:xfrm>
-              <a:off x="6678445" y="6022422"/>
+              <a:off x="6678303" y="6022404"/>
               <a:ext cx="49651" cy="49651"/>
             </a:xfrm>
             <a:prstGeom prst="ellipse">
@@ -12061,7 +12059,7 @@
           </p:nvSpPr>
           <p:spPr>
             <a:xfrm>
-              <a:off x="6567660" y="6038569"/>
+              <a:off x="6567511" y="6038550"/>
               <a:ext cx="49651" cy="49651"/>
             </a:xfrm>
             <a:prstGeom prst="ellipse">
@@ -12096,7 +12094,7 @@
           </p:nvSpPr>
           <p:spPr>
             <a:xfrm>
-              <a:off x="6900014" y="5285042"/>
+              <a:off x="6899887" y="5285031"/>
               <a:ext cx="49651" cy="49651"/>
             </a:xfrm>
             <a:prstGeom prst="ellipse">
@@ -12131,7 +12129,7 @@
           </p:nvSpPr>
           <p:spPr>
             <a:xfrm>
-              <a:off x="6309163" y="5587566"/>
+              <a:off x="6308996" y="5587551"/>
               <a:ext cx="49651" cy="49651"/>
             </a:xfrm>
             <a:prstGeom prst="ellipse">
@@ -12166,7 +12164,7 @@
           </p:nvSpPr>
           <p:spPr>
             <a:xfrm>
-              <a:off x="7047727" y="5408103"/>
+              <a:off x="7047610" y="5408090"/>
               <a:ext cx="49651" cy="49651"/>
             </a:xfrm>
             <a:prstGeom prst="ellipse">
@@ -12201,7 +12199,7 @@
           </p:nvSpPr>
           <p:spPr>
             <a:xfrm>
-              <a:off x="7269296" y="5959038"/>
+              <a:off x="7269194" y="5959020"/>
               <a:ext cx="49651" cy="49651"/>
             </a:xfrm>
             <a:prstGeom prst="ellipse">
@@ -12236,7 +12234,7 @@
           </p:nvSpPr>
           <p:spPr>
             <a:xfrm>
-              <a:off x="6789230" y="5942455"/>
+              <a:off x="6789095" y="5942437"/>
               <a:ext cx="49651" cy="49651"/>
             </a:xfrm>
             <a:prstGeom prst="ellipse">
@@ -12271,7 +12269,7 @@
           </p:nvSpPr>
           <p:spPr>
             <a:xfrm>
-              <a:off x="7453938" y="4311578"/>
+              <a:off x="7453847" y="4311576"/>
               <a:ext cx="49651" cy="49651"/>
             </a:xfrm>
             <a:prstGeom prst="ellipse">
@@ -12306,7 +12304,7 @@
           </p:nvSpPr>
           <p:spPr>
             <a:xfrm>
-              <a:off x="7306225" y="6073152"/>
+              <a:off x="7306125" y="6073133"/>
               <a:ext cx="49651" cy="49651"/>
             </a:xfrm>
             <a:prstGeom prst="ellipse">
@@ -12341,7 +12339,7 @@
           </p:nvSpPr>
           <p:spPr>
             <a:xfrm>
-              <a:off x="6900014" y="4490387"/>
+              <a:off x="6899887" y="4490383"/>
               <a:ext cx="49651" cy="49651"/>
             </a:xfrm>
             <a:prstGeom prst="ellipse">
@@ -12376,7 +12374,7 @@
           </p:nvSpPr>
           <p:spPr>
             <a:xfrm>
-              <a:off x="7417009" y="6026241"/>
+              <a:off x="7416917" y="6026222"/>
               <a:ext cx="49651" cy="49651"/>
             </a:xfrm>
             <a:prstGeom prst="ellipse">
@@ -12411,7 +12409,7 @@
           </p:nvSpPr>
           <p:spPr>
             <a:xfrm>
-              <a:off x="6863086" y="6057988"/>
+              <a:off x="6862956" y="6057969"/>
               <a:ext cx="49651" cy="49651"/>
             </a:xfrm>
             <a:prstGeom prst="ellipse">
@@ -12446,7 +12444,7 @@
           </p:nvSpPr>
           <p:spPr>
             <a:xfrm>
-              <a:off x="7380081" y="5751428"/>
+              <a:off x="7379986" y="5751412"/>
               <a:ext cx="49651" cy="49651"/>
             </a:xfrm>
             <a:prstGeom prst="ellipse">
@@ -12481,7 +12479,7 @@
           </p:nvSpPr>
           <p:spPr>
             <a:xfrm>
-              <a:off x="7232368" y="6059842"/>
+              <a:off x="7232263" y="6059824"/>
               <a:ext cx="49651" cy="49651"/>
             </a:xfrm>
             <a:prstGeom prst="ellipse">
@@ -12516,7 +12514,7 @@
           </p:nvSpPr>
           <p:spPr>
             <a:xfrm>
-              <a:off x="6383019" y="5852233"/>
+              <a:off x="6382857" y="5852216"/>
               <a:ext cx="49651" cy="49651"/>
             </a:xfrm>
             <a:prstGeom prst="ellipse">
@@ -12551,7 +12549,7 @@
           </p:nvSpPr>
           <p:spPr>
             <a:xfrm>
-              <a:off x="7121584" y="5976166"/>
+              <a:off x="7121471" y="5976148"/>
               <a:ext cx="49651" cy="49651"/>
             </a:xfrm>
             <a:prstGeom prst="ellipse">
@@ -12586,7 +12584,7 @@
           </p:nvSpPr>
           <p:spPr>
             <a:xfrm>
-              <a:off x="6900014" y="5995803"/>
+              <a:off x="6899887" y="5995785"/>
               <a:ext cx="49651" cy="49651"/>
             </a:xfrm>
             <a:prstGeom prst="ellipse">
@@ -12621,7 +12619,7 @@
           </p:nvSpPr>
           <p:spPr>
             <a:xfrm>
-              <a:off x="6493804" y="5926963"/>
+              <a:off x="6493649" y="5926946"/>
               <a:ext cx="49651" cy="49651"/>
             </a:xfrm>
             <a:prstGeom prst="ellipse">
@@ -12656,7 +12654,7 @@
           </p:nvSpPr>
           <p:spPr>
             <a:xfrm>
-              <a:off x="5570599" y="5925000"/>
+              <a:off x="5570382" y="5924982"/>
               <a:ext cx="49651" cy="49651"/>
             </a:xfrm>
             <a:prstGeom prst="ellipse">
@@ -12691,7 +12689,7 @@
           </p:nvSpPr>
           <p:spPr>
             <a:xfrm>
-              <a:off x="7084655" y="5490034"/>
+              <a:off x="7084541" y="5490020"/>
               <a:ext cx="49651" cy="49651"/>
             </a:xfrm>
             <a:prstGeom prst="ellipse">
@@ -12726,7 +12724,7 @@
           </p:nvSpPr>
           <p:spPr>
             <a:xfrm>
-              <a:off x="5902953" y="5360428"/>
+              <a:off x="5902758" y="5360416"/>
               <a:ext cx="49651" cy="49651"/>
             </a:xfrm>
             <a:prstGeom prst="ellipse">
@@ -12761,7 +12759,7 @@
           </p:nvSpPr>
           <p:spPr>
             <a:xfrm>
-              <a:off x="8635640" y="5870997"/>
+              <a:off x="8635629" y="5870980"/>
               <a:ext cx="49651" cy="49651"/>
             </a:xfrm>
             <a:prstGeom prst="ellipse">
@@ -12796,7 +12794,7 @@
           </p:nvSpPr>
           <p:spPr>
             <a:xfrm>
-              <a:off x="7601650" y="4372017"/>
+              <a:off x="7601570" y="4372015"/>
               <a:ext cx="49651" cy="49651"/>
             </a:xfrm>
             <a:prstGeom prst="ellipse">
@@ -12831,7 +12829,7 @@
           </p:nvSpPr>
           <p:spPr>
             <a:xfrm>
-              <a:off x="6456876" y="6021113"/>
+              <a:off x="6456719" y="6021095"/>
               <a:ext cx="49651" cy="49651"/>
             </a:xfrm>
             <a:prstGeom prst="ellipse">
@@ -12866,7 +12864,7 @@
           </p:nvSpPr>
           <p:spPr>
             <a:xfrm>
-              <a:off x="6900014" y="4954045"/>
+              <a:off x="6899887" y="4954037"/>
               <a:ext cx="49651" cy="49651"/>
             </a:xfrm>
             <a:prstGeom prst="ellipse">
@@ -12901,7 +12899,7 @@
           </p:nvSpPr>
           <p:spPr>
             <a:xfrm>
-              <a:off x="7232368" y="6080025"/>
+              <a:off x="7232263" y="6080006"/>
               <a:ext cx="49651" cy="49651"/>
             </a:xfrm>
             <a:prstGeom prst="ellipse">
@@ -12936,7 +12934,7 @@
           </p:nvSpPr>
           <p:spPr>
             <a:xfrm>
-              <a:off x="7047727" y="6069661"/>
+              <a:off x="7047610" y="6069642"/>
               <a:ext cx="49651" cy="49651"/>
             </a:xfrm>
             <a:prstGeom prst="ellipse">
@@ -12971,7 +12969,7 @@
           </p:nvSpPr>
           <p:spPr>
             <a:xfrm>
-              <a:off x="6456876" y="5600766"/>
+              <a:off x="6456719" y="5600752"/>
               <a:ext cx="49651" cy="49651"/>
             </a:xfrm>
             <a:prstGeom prst="ellipse">
@@ -13006,7 +13004,7 @@
           </p:nvSpPr>
           <p:spPr>
             <a:xfrm>
-              <a:off x="6936943" y="5918127"/>
+              <a:off x="6936818" y="5918109"/>
               <a:ext cx="49651" cy="49651"/>
             </a:xfrm>
             <a:prstGeom prst="ellipse">
@@ -13041,7 +13039,7 @@
           </p:nvSpPr>
           <p:spPr>
             <a:xfrm>
-              <a:off x="7010799" y="6050133"/>
+              <a:off x="7010679" y="6050114"/>
               <a:ext cx="49651" cy="49651"/>
             </a:xfrm>
             <a:prstGeom prst="ellipse">
@@ -13076,8 +13074,8 @@
           </p:nvSpPr>
           <p:spPr>
             <a:xfrm>
-              <a:off x="5114564" y="6111243"/>
-              <a:ext cx="71105" cy="84529"/>
+              <a:off x="5114381" y="6114279"/>
+              <a:ext cx="71048" cy="81473"/>
             </a:xfrm>
             <a:prstGeom prst="rect">
               <a:avLst/>
@@ -13122,8 +13120,8 @@
           </p:nvSpPr>
           <p:spPr>
             <a:xfrm>
-              <a:off x="4901249" y="5565762"/>
-              <a:ext cx="284420" cy="84529"/>
+              <a:off x="4901234" y="5568804"/>
+              <a:ext cx="284195" cy="81473"/>
             </a:xfrm>
             <a:prstGeom prst="rect">
               <a:avLst/>
@@ -13168,8 +13166,8 @@
           </p:nvSpPr>
           <p:spPr>
             <a:xfrm>
-              <a:off x="4830144" y="5020282"/>
-              <a:ext cx="355525" cy="84529"/>
+              <a:off x="4830185" y="5023329"/>
+              <a:ext cx="355244" cy="81473"/>
             </a:xfrm>
             <a:prstGeom prst="rect">
               <a:avLst/>
@@ -13214,8 +13212,8 @@
           </p:nvSpPr>
           <p:spPr>
             <a:xfrm>
-              <a:off x="4830144" y="4474802"/>
-              <a:ext cx="355525" cy="84529"/>
+              <a:off x="4830185" y="4477854"/>
+              <a:ext cx="355244" cy="81473"/>
             </a:xfrm>
             <a:prstGeom prst="rect">
               <a:avLst/>
@@ -13260,7 +13258,7 @@
           </p:nvSpPr>
           <p:spPr>
             <a:xfrm>
-              <a:off x="5213505" y="6155035"/>
+              <a:off x="5213265" y="6155016"/>
               <a:ext cx="34794" cy="0"/>
             </a:xfrm>
             <a:custGeom>
@@ -13300,7 +13298,7 @@
           </p:nvSpPr>
           <p:spPr>
             <a:xfrm>
-              <a:off x="5213505" y="5609555"/>
+              <a:off x="5213265" y="5609541"/>
               <a:ext cx="34794" cy="0"/>
             </a:xfrm>
             <a:custGeom>
@@ -13340,7 +13338,7 @@
           </p:nvSpPr>
           <p:spPr>
             <a:xfrm>
-              <a:off x="5213505" y="5064075"/>
+              <a:off x="5213265" y="5064066"/>
               <a:ext cx="34794" cy="0"/>
             </a:xfrm>
             <a:custGeom>
@@ -13380,7 +13378,7 @@
           </p:nvSpPr>
           <p:spPr>
             <a:xfrm>
-              <a:off x="5213505" y="4518594"/>
+              <a:off x="5213265" y="4518591"/>
               <a:ext cx="34794" cy="0"/>
             </a:xfrm>
             <a:custGeom>
@@ -13420,7 +13418,7 @@
           </p:nvSpPr>
           <p:spPr>
             <a:xfrm>
-              <a:off x="5299999" y="6203905"/>
+              <a:off x="5299763" y="6203885"/>
               <a:ext cx="0" cy="34794"/>
             </a:xfrm>
             <a:custGeom>
@@ -13460,7 +13458,7 @@
           </p:nvSpPr>
           <p:spPr>
             <a:xfrm>
-              <a:off x="6223204" y="6203905"/>
+              <a:off x="6223030" y="6203885"/>
               <a:ext cx="0" cy="34794"/>
             </a:xfrm>
             <a:custGeom>
@@ -13500,7 +13498,7 @@
           </p:nvSpPr>
           <p:spPr>
             <a:xfrm>
-              <a:off x="7146410" y="6203905"/>
+              <a:off x="7146297" y="6203885"/>
               <a:ext cx="0" cy="34794"/>
             </a:xfrm>
             <a:custGeom>
@@ -13540,7 +13538,7 @@
           </p:nvSpPr>
           <p:spPr>
             <a:xfrm>
-              <a:off x="8069615" y="6203905"/>
+              <a:off x="8069564" y="6203885"/>
               <a:ext cx="0" cy="34794"/>
             </a:xfrm>
             <a:custGeom>
@@ -13580,8 +13578,8 @@
           </p:nvSpPr>
           <p:spPr>
             <a:xfrm>
-              <a:off x="5175579" y="6264952"/>
-              <a:ext cx="248840" cy="83056"/>
+              <a:off x="5175450" y="6266515"/>
+              <a:ext cx="248625" cy="81473"/>
             </a:xfrm>
             <a:prstGeom prst="rect">
               <a:avLst/>
@@ -13626,8 +13624,8 @@
           </p:nvSpPr>
           <p:spPr>
             <a:xfrm>
-              <a:off x="6098784" y="6263479"/>
-              <a:ext cx="248840" cy="84529"/>
+              <a:off x="6098717" y="6266515"/>
+              <a:ext cx="248625" cy="81473"/>
             </a:xfrm>
             <a:prstGeom prst="rect">
               <a:avLst/>
@@ -13672,8 +13670,8 @@
           </p:nvSpPr>
           <p:spPr>
             <a:xfrm>
-              <a:off x="7021989" y="6263479"/>
-              <a:ext cx="248840" cy="84529"/>
+              <a:off x="7021984" y="6266515"/>
+              <a:ext cx="248625" cy="81473"/>
             </a:xfrm>
             <a:prstGeom prst="rect">
               <a:avLst/>
@@ -13718,8 +13716,8 @@
           </p:nvSpPr>
           <p:spPr>
             <a:xfrm>
-              <a:off x="7945195" y="6263479"/>
-              <a:ext cx="248840" cy="84529"/>
+              <a:off x="7945252" y="6266515"/>
+              <a:ext cx="248625" cy="81473"/>
             </a:xfrm>
             <a:prstGeom prst="rect">
               <a:avLst/>
@@ -13764,8 +13762,8 @@
           </p:nvSpPr>
           <p:spPr>
             <a:xfrm>
-              <a:off x="6832316" y="6372694"/>
-              <a:ext cx="406617" cy="135197"/>
+              <a:off x="6832188" y="6406008"/>
+              <a:ext cx="406633" cy="101864"/>
             </a:xfrm>
             <a:prstGeom prst="rect">
               <a:avLst/>
@@ -13810,8 +13808,8 @@
           </p:nvSpPr>
           <p:spPr>
             <a:xfrm rot="-5400000">
-              <a:off x="4524851" y="5115118"/>
-              <a:ext cx="347681" cy="135197"/>
+              <a:off x="4541507" y="5131775"/>
+              <a:ext cx="347746" cy="101864"/>
             </a:xfrm>
             <a:prstGeom prst="rect">
               <a:avLst/>
